--- a/Documents/SOACommunication.pptx
+++ b/Documents/SOACommunication.pptx
@@ -206,7 +206,7 @@
             <a:fld id="{211D7C89-3668-409F-82C4-EB413D15F707}" type="datetimeFigureOut">
               <a:rPr lang="es-AR" smtClean="0"/>
               <a:pPr/>
-              <a:t>28/07/2008</a:t>
+              <a:t>13/04/2011</a:t>
             </a:fld>
             <a:endParaRPr lang="es-AR"/>
           </a:p>
@@ -368,7 +368,7 @@
             <a:fld id="{F2B1C1A0-CDA5-45C7-A804-293B7C7B5244}" type="datetimeFigureOut">
               <a:rPr lang="es-AR" smtClean="0"/>
               <a:pPr/>
-              <a:t>28/07/2008</a:t>
+              <a:t>13/04/2011</a:t>
             </a:fld>
             <a:endParaRPr lang="es-AR"/>
           </a:p>
@@ -1019,7 +1019,7 @@
             <a:fld id="{52FC8CEA-0A16-4154-94F4-900FDF2B4E74}" type="datetimeFigureOut">
               <a:rPr lang="es-ES" smtClean="0"/>
               <a:pPr/>
-              <a:t>28/07/2008</a:t>
+              <a:t>13/04/2011</a:t>
             </a:fld>
             <a:endParaRPr lang="es-ES"/>
           </a:p>
@@ -1186,7 +1186,7 @@
             <a:fld id="{52FC8CEA-0A16-4154-94F4-900FDF2B4E74}" type="datetimeFigureOut">
               <a:rPr lang="es-ES" smtClean="0"/>
               <a:pPr/>
-              <a:t>28/07/2008</a:t>
+              <a:t>13/04/2011</a:t>
             </a:fld>
             <a:endParaRPr lang="es-ES"/>
           </a:p>
@@ -1363,7 +1363,7 @@
             <a:fld id="{52FC8CEA-0A16-4154-94F4-900FDF2B4E74}" type="datetimeFigureOut">
               <a:rPr lang="es-ES" smtClean="0"/>
               <a:pPr/>
-              <a:t>28/07/2008</a:t>
+              <a:t>13/04/2011</a:t>
             </a:fld>
             <a:endParaRPr lang="es-ES"/>
           </a:p>
@@ -1507,7 +1507,7 @@
             <a:fld id="{52FC8CEA-0A16-4154-94F4-900FDF2B4E74}" type="datetimeFigureOut">
               <a:rPr lang="es-ES" smtClean="0"/>
               <a:pPr/>
-              <a:t>28/07/2008</a:t>
+              <a:t>13/04/2011</a:t>
             </a:fld>
             <a:endParaRPr lang="es-ES"/>
           </a:p>
@@ -1994,7 +1994,7 @@
             <a:fld id="{52FC8CEA-0A16-4154-94F4-900FDF2B4E74}" type="datetimeFigureOut">
               <a:rPr lang="es-ES" smtClean="0"/>
               <a:pPr/>
-              <a:t>28/07/2008</a:t>
+              <a:t>13/04/2011</a:t>
             </a:fld>
             <a:endParaRPr lang="es-ES"/>
           </a:p>
@@ -2260,7 +2260,7 @@
             <a:fld id="{52FC8CEA-0A16-4154-94F4-900FDF2B4E74}" type="datetimeFigureOut">
               <a:rPr lang="es-ES" smtClean="0"/>
               <a:pPr/>
-              <a:t>28/07/2008</a:t>
+              <a:t>13/04/2011</a:t>
             </a:fld>
             <a:endParaRPr lang="es-ES"/>
           </a:p>
@@ -2636,7 +2636,7 @@
             <a:fld id="{52FC8CEA-0A16-4154-94F4-900FDF2B4E74}" type="datetimeFigureOut">
               <a:rPr lang="es-ES" smtClean="0"/>
               <a:pPr/>
-              <a:t>28/07/2008</a:t>
+              <a:t>13/04/2011</a:t>
             </a:fld>
             <a:endParaRPr lang="es-ES"/>
           </a:p>
@@ -2760,7 +2760,7 @@
             <a:fld id="{52FC8CEA-0A16-4154-94F4-900FDF2B4E74}" type="datetimeFigureOut">
               <a:rPr lang="es-ES" smtClean="0"/>
               <a:pPr/>
-              <a:t>28/07/2008</a:t>
+              <a:t>13/04/2011</a:t>
             </a:fld>
             <a:endParaRPr lang="es-ES"/>
           </a:p>
@@ -2852,7 +2852,7 @@
             <a:fld id="{52FC8CEA-0A16-4154-94F4-900FDF2B4E74}" type="datetimeFigureOut">
               <a:rPr lang="es-ES" smtClean="0"/>
               <a:pPr/>
-              <a:t>28/07/2008</a:t>
+              <a:t>13/04/2011</a:t>
             </a:fld>
             <a:endParaRPr lang="es-ES"/>
           </a:p>
@@ -3103,7 +3103,7 @@
             <a:fld id="{52FC8CEA-0A16-4154-94F4-900FDF2B4E74}" type="datetimeFigureOut">
               <a:rPr lang="es-ES" smtClean="0"/>
               <a:pPr/>
-              <a:t>28/07/2008</a:t>
+              <a:t>13/04/2011</a:t>
             </a:fld>
             <a:endParaRPr lang="es-ES"/>
           </a:p>
@@ -3364,7 +3364,7 @@
             <a:fld id="{52FC8CEA-0A16-4154-94F4-900FDF2B4E74}" type="datetimeFigureOut">
               <a:rPr lang="es-ES" smtClean="0"/>
               <a:pPr/>
-              <a:t>28/07/2008</a:t>
+              <a:t>13/04/2011</a:t>
             </a:fld>
             <a:endParaRPr lang="es-ES"/>
           </a:p>
@@ -3770,7 +3770,7 @@
             <a:fld id="{52FC8CEA-0A16-4154-94F4-900FDF2B4E74}" type="datetimeFigureOut">
               <a:rPr lang="es-ES" smtClean="0"/>
               <a:pPr/>
-              <a:t>28/07/2008</a:t>
+              <a:t>13/04/2011</a:t>
             </a:fld>
             <a:endParaRPr lang="es-ES"/>
           </a:p>
@@ -4274,7 +4274,7 @@
           <p:nvPr/>
         </p:nvPicPr>
         <p:blipFill>
-          <a:blip r:embed="rId3"/>
+          <a:blip r:embed="rId3" cstate="print"/>
           <a:srcRect/>
           <a:stretch>
             <a:fillRect/>
@@ -4388,7 +4388,7 @@
           </p:nvPr>
         </p:nvPicPr>
         <p:blipFill>
-          <a:blip r:embed="rId4"/>
+          <a:blip r:embed="rId4" cstate="print"/>
           <a:srcRect/>
           <a:stretch>
             <a:fillRect/>
@@ -4937,7 +4937,7 @@
               <p:nvPr/>
             </p:nvPicPr>
             <p:blipFill>
-              <a:blip r:embed="rId5"/>
+              <a:blip r:embed="rId5" cstate="print"/>
               <a:srcRect/>
               <a:stretch>
                 <a:fillRect/>
@@ -4969,7 +4969,7 @@
               <p:nvPr/>
             </p:nvPicPr>
             <p:blipFill>
-              <a:blip r:embed="rId6"/>
+              <a:blip r:embed="rId6" cstate="print"/>
               <a:srcRect/>
               <a:stretch>
                 <a:fillRect/>
@@ -5078,7 +5078,7 @@
               <p:nvPr/>
             </p:nvPicPr>
             <p:blipFill>
-              <a:blip r:embed="rId5"/>
+              <a:blip r:embed="rId5" cstate="print"/>
               <a:srcRect/>
               <a:stretch>
                 <a:fillRect/>
@@ -5110,7 +5110,7 @@
               <p:nvPr/>
             </p:nvPicPr>
             <p:blipFill>
-              <a:blip r:embed="rId6"/>
+              <a:blip r:embed="rId6" cstate="print"/>
               <a:srcRect/>
               <a:stretch>
                 <a:fillRect/>
@@ -5159,7 +5159,7 @@
               <p:nvPr/>
             </p:nvPicPr>
             <p:blipFill>
-              <a:blip r:embed="rId5"/>
+              <a:blip r:embed="rId5" cstate="print"/>
               <a:srcRect/>
               <a:stretch>
                 <a:fillRect/>
@@ -5191,7 +5191,7 @@
               <p:nvPr/>
             </p:nvPicPr>
             <p:blipFill>
-              <a:blip r:embed="rId6"/>
+              <a:blip r:embed="rId6" cstate="print"/>
               <a:srcRect/>
               <a:stretch>
                 <a:fillRect/>
@@ -5304,7 +5304,7 @@
           <p:nvPr/>
         </p:nvPicPr>
         <p:blipFill>
-          <a:blip r:embed="rId8"/>
+          <a:blip r:embed="rId8" cstate="print"/>
           <a:srcRect/>
           <a:stretch>
             <a:fillRect/>
@@ -5655,7 +5655,7 @@
           <p:nvPr/>
         </p:nvPicPr>
         <p:blipFill>
-          <a:blip r:embed="rId4"/>
+          <a:blip r:embed="rId4" cstate="print"/>
           <a:srcRect/>
           <a:stretch>
             <a:fillRect/>
@@ -6067,114 +6067,32 @@
           </a:ln>
         </p:spPr>
       </p:cxnSp>
-      <p:grpSp>
-        <p:nvGrpSpPr>
-          <p:cNvPr id="54" name="53 Grupo"/>
-          <p:cNvGrpSpPr/>
+      <p:pic>
+        <p:nvPicPr>
+          <p:cNvPr id="56" name="Picture 2" descr="C:\mfo\DesarrolloActionLine\Docs\FondoAction.bmp"/>
+          <p:cNvPicPr>
+            <a:picLocks noChangeAspect="1" noChangeArrowheads="1"/>
+          </p:cNvPicPr>
           <p:nvPr/>
-        </p:nvGrpSpPr>
-        <p:grpSpPr>
+        </p:nvPicPr>
+        <p:blipFill>
+          <a:blip r:embed="rId9" cstate="print"/>
+          <a:srcRect/>
+          <a:stretch>
+            <a:fillRect/>
+          </a:stretch>
+        </p:blipFill>
+        <p:spPr bwMode="auto">
           <a:xfrm>
-            <a:off x="0" y="-24"/>
-            <a:ext cx="9144000" cy="642918"/>
-            <a:chOff x="0" y="0"/>
-            <a:chExt cx="9144000" cy="642918"/>
+            <a:off x="179512" y="-24"/>
+            <a:ext cx="8964488" cy="642918"/>
           </a:xfrm>
-        </p:grpSpPr>
-        <p:grpSp>
-          <p:nvGrpSpPr>
-            <p:cNvPr id="55" name="26 Grupo"/>
-            <p:cNvGrpSpPr/>
-            <p:nvPr/>
-          </p:nvGrpSpPr>
-          <p:grpSpPr>
-            <a:xfrm>
-              <a:off x="0" y="0"/>
-              <a:ext cx="3209931" cy="642918"/>
-              <a:chOff x="4643438" y="576263"/>
-              <a:chExt cx="3209931" cy="890567"/>
-            </a:xfrm>
-          </p:grpSpPr>
-          <p:pic>
-            <p:nvPicPr>
-              <p:cNvPr id="61" name="Picture 4" descr="C:\mfo\DesarrolloActionLine\Docs\logo1_1.jpg"/>
-              <p:cNvPicPr>
-                <a:picLocks noChangeAspect="1" noChangeArrowheads="1"/>
-              </p:cNvPicPr>
-              <p:nvPr/>
-            </p:nvPicPr>
-            <p:blipFill>
-              <a:blip r:embed="rId9"/>
-              <a:srcRect/>
-              <a:stretch>
-                <a:fillRect/>
-              </a:stretch>
-            </p:blipFill>
-            <p:spPr bwMode="auto">
-              <a:xfrm>
-                <a:off x="4643438" y="576263"/>
-                <a:ext cx="885825" cy="885825"/>
-              </a:xfrm>
-              <a:prstGeom prst="rect">
-                <a:avLst/>
-              </a:prstGeom>
-              <a:noFill/>
-            </p:spPr>
-          </p:pic>
-          <p:pic>
-            <p:nvPicPr>
-              <p:cNvPr id="62" name="Picture 5" descr="C:\mfo\DesarrolloActionLine\Docs\logo2_ActionLine.gif"/>
-              <p:cNvPicPr>
-                <a:picLocks noChangeAspect="1" noChangeArrowheads="1"/>
-              </p:cNvPicPr>
-              <p:nvPr/>
-            </p:nvPicPr>
-            <p:blipFill>
-              <a:blip r:embed="rId10"/>
-              <a:srcRect/>
-              <a:stretch>
-                <a:fillRect/>
-              </a:stretch>
-            </p:blipFill>
-            <p:spPr bwMode="auto">
-              <a:xfrm>
-                <a:off x="5500694" y="581005"/>
-                <a:ext cx="2352675" cy="885825"/>
-              </a:xfrm>
-              <a:prstGeom prst="rect">
-                <a:avLst/>
-              </a:prstGeom>
-              <a:noFill/>
-            </p:spPr>
-          </p:pic>
-        </p:grpSp>
-        <p:pic>
-          <p:nvPicPr>
-            <p:cNvPr id="56" name="Picture 2" descr="C:\mfo\DesarrolloActionLine\Docs\FondoAction.bmp"/>
-            <p:cNvPicPr>
-              <a:picLocks noChangeAspect="1" noChangeArrowheads="1"/>
-            </p:cNvPicPr>
-            <p:nvPr/>
-          </p:nvPicPr>
-          <p:blipFill>
-            <a:blip r:embed="rId11"/>
-            <a:srcRect/>
-            <a:stretch>
-              <a:fillRect/>
-            </a:stretch>
-          </p:blipFill>
-          <p:spPr bwMode="auto">
-            <a:xfrm>
-              <a:off x="3214678" y="0"/>
-              <a:ext cx="5929322" cy="642918"/>
-            </a:xfrm>
-            <a:prstGeom prst="rect">
-              <a:avLst/>
-            </a:prstGeom>
-            <a:noFill/>
-          </p:spPr>
-        </p:pic>
-      </p:grpSp>
+          <a:prstGeom prst="rect">
+            <a:avLst/>
+          </a:prstGeom>
+          <a:noFill/>
+        </p:spPr>
+      </p:pic>
       <p:sp>
         <p:nvSpPr>
           <p:cNvPr id="2" name="1 Título"/>
@@ -6309,7 +6227,7 @@
           <p:nvPr/>
         </p:nvPicPr>
         <p:blipFill>
-          <a:blip r:embed="rId4"/>
+          <a:blip r:embed="rId4" cstate="print"/>
           <a:srcRect/>
           <a:stretch>
             <a:fillRect/>
@@ -7527,7 +7445,7 @@
               <p:nvPr/>
             </p:nvPicPr>
             <p:blipFill>
-              <a:blip r:embed="rId2"/>
+              <a:blip r:embed="rId2" cstate="print"/>
               <a:srcRect/>
               <a:stretch>
                 <a:fillRect/>
@@ -7681,7 +7599,7 @@
               <p:nvPr/>
             </p:nvPicPr>
             <p:blipFill>
-              <a:blip r:embed="rId2"/>
+              <a:blip r:embed="rId2" cstate="print"/>
               <a:srcRect/>
               <a:stretch>
                 <a:fillRect/>
@@ -7963,7 +7881,7 @@
           <p:nvPr/>
         </p:nvPicPr>
         <p:blipFill>
-          <a:blip r:embed="rId3"/>
+          <a:blip r:embed="rId3" cstate="print"/>
           <a:srcRect/>
           <a:stretch>
             <a:fillRect/>
@@ -8806,114 +8724,32 @@
           </a:fontRef>
         </p:style>
       </p:cxnSp>
-      <p:grpSp>
-        <p:nvGrpSpPr>
-          <p:cNvPr id="34" name="33 Grupo"/>
-          <p:cNvGrpSpPr/>
+      <p:pic>
+        <p:nvPicPr>
+          <p:cNvPr id="1026" name="Picture 2" descr="C:\mfo\DesarrolloActionLine\Docs\FondoAction.bmp"/>
+          <p:cNvPicPr>
+            <a:picLocks noChangeAspect="1" noChangeArrowheads="1"/>
+          </p:cNvPicPr>
           <p:nvPr/>
-        </p:nvGrpSpPr>
-        <p:grpSpPr>
+        </p:nvPicPr>
+        <p:blipFill>
+          <a:blip r:embed="rId4" cstate="print"/>
+          <a:srcRect/>
+          <a:stretch>
+            <a:fillRect/>
+          </a:stretch>
+        </p:blipFill>
+        <p:spPr bwMode="auto">
           <a:xfrm>
-            <a:off x="0" y="-24"/>
-            <a:ext cx="9144000" cy="642918"/>
-            <a:chOff x="0" y="0"/>
-            <a:chExt cx="9144000" cy="642918"/>
+            <a:off x="107504" y="-24"/>
+            <a:ext cx="9036496" cy="642918"/>
           </a:xfrm>
-        </p:grpSpPr>
-        <p:grpSp>
-          <p:nvGrpSpPr>
-            <p:cNvPr id="27" name="26 Grupo"/>
-            <p:cNvGrpSpPr/>
-            <p:nvPr/>
-          </p:nvGrpSpPr>
-          <p:grpSpPr>
-            <a:xfrm>
-              <a:off x="0" y="0"/>
-              <a:ext cx="3209931" cy="642918"/>
-              <a:chOff x="4643438" y="576263"/>
-              <a:chExt cx="3209931" cy="890567"/>
-            </a:xfrm>
-          </p:grpSpPr>
-          <p:pic>
-            <p:nvPicPr>
-              <p:cNvPr id="29" name="Picture 4" descr="C:\mfo\DesarrolloActionLine\Docs\logo1_1.jpg"/>
-              <p:cNvPicPr>
-                <a:picLocks noChangeAspect="1" noChangeArrowheads="1"/>
-              </p:cNvPicPr>
-              <p:nvPr/>
-            </p:nvPicPr>
-            <p:blipFill>
-              <a:blip r:embed="rId4"/>
-              <a:srcRect/>
-              <a:stretch>
-                <a:fillRect/>
-              </a:stretch>
-            </p:blipFill>
-            <p:spPr bwMode="auto">
-              <a:xfrm>
-                <a:off x="4643438" y="576263"/>
-                <a:ext cx="885825" cy="885825"/>
-              </a:xfrm>
-              <a:prstGeom prst="rect">
-                <a:avLst/>
-              </a:prstGeom>
-              <a:noFill/>
-            </p:spPr>
-          </p:pic>
-          <p:pic>
-            <p:nvPicPr>
-              <p:cNvPr id="31" name="Picture 5" descr="C:\mfo\DesarrolloActionLine\Docs\logo2_ActionLine.gif"/>
-              <p:cNvPicPr>
-                <a:picLocks noChangeAspect="1" noChangeArrowheads="1"/>
-              </p:cNvPicPr>
-              <p:nvPr/>
-            </p:nvPicPr>
-            <p:blipFill>
-              <a:blip r:embed="rId5"/>
-              <a:srcRect/>
-              <a:stretch>
-                <a:fillRect/>
-              </a:stretch>
-            </p:blipFill>
-            <p:spPr bwMode="auto">
-              <a:xfrm>
-                <a:off x="5500694" y="581005"/>
-                <a:ext cx="2352675" cy="885825"/>
-              </a:xfrm>
-              <a:prstGeom prst="rect">
-                <a:avLst/>
-              </a:prstGeom>
-              <a:noFill/>
-            </p:spPr>
-          </p:pic>
-        </p:grpSp>
-        <p:pic>
-          <p:nvPicPr>
-            <p:cNvPr id="1026" name="Picture 2" descr="C:\mfo\DesarrolloActionLine\Docs\FondoAction.bmp"/>
-            <p:cNvPicPr>
-              <a:picLocks noChangeAspect="1" noChangeArrowheads="1"/>
-            </p:cNvPicPr>
-            <p:nvPr/>
-          </p:nvPicPr>
-          <p:blipFill>
-            <a:blip r:embed="rId6"/>
-            <a:srcRect/>
-            <a:stretch>
-              <a:fillRect/>
-            </a:stretch>
-          </p:blipFill>
-          <p:spPr bwMode="auto">
-            <a:xfrm>
-              <a:off x="3214678" y="0"/>
-              <a:ext cx="5929322" cy="642918"/>
-            </a:xfrm>
-            <a:prstGeom prst="rect">
-              <a:avLst/>
-            </a:prstGeom>
-            <a:noFill/>
-          </p:spPr>
-        </p:pic>
-      </p:grpSp>
+          <a:prstGeom prst="rect">
+            <a:avLst/>
+          </a:prstGeom>
+          <a:noFill/>
+        </p:spPr>
+      </p:pic>
       <p:sp>
         <p:nvSpPr>
           <p:cNvPr id="32" name="1 Título"/>
@@ -9921,114 +9757,32 @@
           <a:chExt cx="0" cy="0"/>
         </a:xfrm>
       </p:grpSpPr>
-      <p:grpSp>
-        <p:nvGrpSpPr>
-          <p:cNvPr id="69" name="68 Grupo"/>
-          <p:cNvGrpSpPr/>
+      <p:pic>
+        <p:nvPicPr>
+          <p:cNvPr id="71" name="Picture 2" descr="C:\mfo\DesarrolloActionLine\Docs\FondoAction.bmp"/>
+          <p:cNvPicPr>
+            <a:picLocks noChangeAspect="1" noChangeArrowheads="1"/>
+          </p:cNvPicPr>
           <p:nvPr/>
-        </p:nvGrpSpPr>
-        <p:grpSpPr>
+        </p:nvPicPr>
+        <p:blipFill>
+          <a:blip r:embed="rId2" cstate="print"/>
+          <a:srcRect/>
+          <a:stretch>
+            <a:fillRect/>
+          </a:stretch>
+        </p:blipFill>
+        <p:spPr bwMode="auto">
           <a:xfrm>
             <a:off x="0" y="-24"/>
             <a:ext cx="9144000" cy="642918"/>
-            <a:chOff x="0" y="0"/>
-            <a:chExt cx="9144000" cy="642918"/>
           </a:xfrm>
-        </p:grpSpPr>
-        <p:grpSp>
-          <p:nvGrpSpPr>
-            <p:cNvPr id="70" name="26 Grupo"/>
-            <p:cNvGrpSpPr/>
-            <p:nvPr/>
-          </p:nvGrpSpPr>
-          <p:grpSpPr>
-            <a:xfrm>
-              <a:off x="0" y="0"/>
-              <a:ext cx="3209931" cy="642918"/>
-              <a:chOff x="4643438" y="576263"/>
-              <a:chExt cx="3209931" cy="890567"/>
-            </a:xfrm>
-          </p:grpSpPr>
-          <p:pic>
-            <p:nvPicPr>
-              <p:cNvPr id="72" name="Picture 4" descr="C:\mfo\DesarrolloActionLine\Docs\logo1_1.jpg"/>
-              <p:cNvPicPr>
-                <a:picLocks noChangeAspect="1" noChangeArrowheads="1"/>
-              </p:cNvPicPr>
-              <p:nvPr/>
-            </p:nvPicPr>
-            <p:blipFill>
-              <a:blip r:embed="rId2"/>
-              <a:srcRect/>
-              <a:stretch>
-                <a:fillRect/>
-              </a:stretch>
-            </p:blipFill>
-            <p:spPr bwMode="auto">
-              <a:xfrm>
-                <a:off x="4643438" y="576263"/>
-                <a:ext cx="885825" cy="885825"/>
-              </a:xfrm>
-              <a:prstGeom prst="rect">
-                <a:avLst/>
-              </a:prstGeom>
-              <a:noFill/>
-            </p:spPr>
-          </p:pic>
-          <p:pic>
-            <p:nvPicPr>
-              <p:cNvPr id="73" name="Picture 5" descr="C:\mfo\DesarrolloActionLine\Docs\logo2_ActionLine.gif"/>
-              <p:cNvPicPr>
-                <a:picLocks noChangeAspect="1" noChangeArrowheads="1"/>
-              </p:cNvPicPr>
-              <p:nvPr/>
-            </p:nvPicPr>
-            <p:blipFill>
-              <a:blip r:embed="rId3"/>
-              <a:srcRect/>
-              <a:stretch>
-                <a:fillRect/>
-              </a:stretch>
-            </p:blipFill>
-            <p:spPr bwMode="auto">
-              <a:xfrm>
-                <a:off x="5500694" y="581005"/>
-                <a:ext cx="2352675" cy="885825"/>
-              </a:xfrm>
-              <a:prstGeom prst="rect">
-                <a:avLst/>
-              </a:prstGeom>
-              <a:noFill/>
-            </p:spPr>
-          </p:pic>
-        </p:grpSp>
-        <p:pic>
-          <p:nvPicPr>
-            <p:cNvPr id="71" name="Picture 2" descr="C:\mfo\DesarrolloActionLine\Docs\FondoAction.bmp"/>
-            <p:cNvPicPr>
-              <a:picLocks noChangeAspect="1" noChangeArrowheads="1"/>
-            </p:cNvPicPr>
-            <p:nvPr/>
-          </p:nvPicPr>
-          <p:blipFill>
-            <a:blip r:embed="rId4"/>
-            <a:srcRect/>
-            <a:stretch>
-              <a:fillRect/>
-            </a:stretch>
-          </p:blipFill>
-          <p:spPr bwMode="auto">
-            <a:xfrm>
-              <a:off x="3214678" y="0"/>
-              <a:ext cx="5929322" cy="642918"/>
-            </a:xfrm>
-            <a:prstGeom prst="rect">
-              <a:avLst/>
-            </a:prstGeom>
-            <a:noFill/>
-          </p:spPr>
-        </p:pic>
-      </p:grpSp>
+          <a:prstGeom prst="rect">
+            <a:avLst/>
+          </a:prstGeom>
+          <a:noFill/>
+        </p:spPr>
+      </p:pic>
       <p:grpSp>
         <p:nvGrpSpPr>
           <p:cNvPr id="115" name="114 Grupo"/>
@@ -10237,7 +9991,7 @@
               <p:nvPr/>
             </p:nvPicPr>
             <p:blipFill>
-              <a:blip r:embed="rId5" cstate="print"/>
+              <a:blip r:embed="rId3" cstate="print"/>
               <a:srcRect/>
               <a:stretch>
                 <a:fillRect/>
@@ -10898,7 +10652,7 @@
           <p:nvPr/>
         </p:nvPicPr>
         <p:blipFill>
-          <a:blip r:embed="rId6"/>
+          <a:blip r:embed="rId4" cstate="print"/>
           <a:srcRect/>
           <a:stretch>
             <a:fillRect/>
@@ -11890,7 +11644,7 @@
               </a:buClr>
               <a:buFont typeface="Wingdings 2" pitchFamily="18" charset="2"/>
               <a:buBlip>
-                <a:blip r:embed="rId7"/>
+                <a:blip r:embed="rId5"/>
               </a:buBlip>
               <a:defRPr/>
             </a:pPr>
@@ -12385,7 +12139,7 @@
           <p:nvPr/>
         </p:nvPicPr>
         <p:blipFill>
-          <a:blip r:embed="rId8"/>
+          <a:blip r:embed="rId6" cstate="print"/>
           <a:srcRect/>
           <a:stretch>
             <a:fillRect/>
@@ -15119,7 +14873,7 @@
           <p:nvPr/>
         </p:nvPicPr>
         <p:blipFill>
-          <a:blip r:embed="rId3"/>
+          <a:blip r:embed="rId3" cstate="print"/>
           <a:srcRect/>
           <a:stretch>
             <a:fillRect/>
@@ -15591,7 +15345,7 @@
               <p:nvPr/>
             </p:nvPicPr>
             <p:blipFill>
-              <a:blip r:embed="rId4"/>
+              <a:blip r:embed="rId4" cstate="print"/>
               <a:srcRect/>
               <a:stretch>
                 <a:fillRect/>
@@ -15623,7 +15377,7 @@
               <p:nvPr/>
             </p:nvPicPr>
             <p:blipFill>
-              <a:blip r:embed="rId5"/>
+              <a:blip r:embed="rId5" cstate="print"/>
               <a:srcRect/>
               <a:stretch>
                 <a:fillRect/>
@@ -15732,7 +15486,7 @@
               <p:nvPr/>
             </p:nvPicPr>
             <p:blipFill>
-              <a:blip r:embed="rId4"/>
+              <a:blip r:embed="rId4" cstate="print"/>
               <a:srcRect/>
               <a:stretch>
                 <a:fillRect/>
@@ -15764,7 +15518,7 @@
               <p:nvPr/>
             </p:nvPicPr>
             <p:blipFill>
-              <a:blip r:embed="rId5"/>
+              <a:blip r:embed="rId5" cstate="print"/>
               <a:srcRect/>
               <a:stretch>
                 <a:fillRect/>
@@ -15813,7 +15567,7 @@
               <p:nvPr/>
             </p:nvPicPr>
             <p:blipFill>
-              <a:blip r:embed="rId4"/>
+              <a:blip r:embed="rId4" cstate="print"/>
               <a:srcRect/>
               <a:stretch>
                 <a:fillRect/>
@@ -15845,7 +15599,7 @@
               <p:nvPr/>
             </p:nvPicPr>
             <p:blipFill>
-              <a:blip r:embed="rId5"/>
+              <a:blip r:embed="rId5" cstate="print"/>
               <a:srcRect/>
               <a:stretch>
                 <a:fillRect/>
@@ -15881,7 +15635,7 @@
           <p:nvPr/>
         </p:nvPicPr>
         <p:blipFill>
-          <a:blip r:embed="rId7"/>
+          <a:blip r:embed="rId7" cstate="print"/>
           <a:srcRect/>
           <a:stretch>
             <a:fillRect/>
@@ -16180,7 +15934,7 @@
           <p:nvPr/>
         </p:nvPicPr>
         <p:blipFill>
-          <a:blip r:embed="rId8"/>
+          <a:blip r:embed="rId8" cstate="print"/>
           <a:srcRect/>
           <a:stretch>
             <a:fillRect/>
@@ -16318,114 +16072,32 @@
           </a:fontRef>
         </p:style>
       </p:cxnSp>
-      <p:grpSp>
-        <p:nvGrpSpPr>
-          <p:cNvPr id="46" name="45 Grupo"/>
-          <p:cNvGrpSpPr/>
+      <p:pic>
+        <p:nvPicPr>
+          <p:cNvPr id="48" name="Picture 2" descr="C:\mfo\DesarrolloActionLine\Docs\FondoAction.bmp"/>
+          <p:cNvPicPr>
+            <a:picLocks noChangeAspect="1" noChangeArrowheads="1"/>
+          </p:cNvPicPr>
           <p:nvPr/>
-        </p:nvGrpSpPr>
-        <p:grpSpPr>
+        </p:nvPicPr>
+        <p:blipFill>
+          <a:blip r:embed="rId9" cstate="print"/>
+          <a:srcRect/>
+          <a:stretch>
+            <a:fillRect/>
+          </a:stretch>
+        </p:blipFill>
+        <p:spPr bwMode="auto">
           <a:xfrm>
-            <a:off x="0" y="-24"/>
-            <a:ext cx="9144000" cy="642918"/>
-            <a:chOff x="0" y="0"/>
-            <a:chExt cx="9144000" cy="642918"/>
+            <a:off x="323528" y="-24"/>
+            <a:ext cx="8820472" cy="642918"/>
           </a:xfrm>
-        </p:grpSpPr>
-        <p:grpSp>
-          <p:nvGrpSpPr>
-            <p:cNvPr id="47" name="26 Grupo"/>
-            <p:cNvGrpSpPr/>
-            <p:nvPr/>
-          </p:nvGrpSpPr>
-          <p:grpSpPr>
-            <a:xfrm>
-              <a:off x="0" y="0"/>
-              <a:ext cx="3209931" cy="642918"/>
-              <a:chOff x="4643438" y="576263"/>
-              <a:chExt cx="3209931" cy="890567"/>
-            </a:xfrm>
-          </p:grpSpPr>
-          <p:pic>
-            <p:nvPicPr>
-              <p:cNvPr id="49" name="Picture 4" descr="C:\mfo\DesarrolloActionLine\Docs\logo1_1.jpg"/>
-              <p:cNvPicPr>
-                <a:picLocks noChangeAspect="1" noChangeArrowheads="1"/>
-              </p:cNvPicPr>
-              <p:nvPr/>
-            </p:nvPicPr>
-            <p:blipFill>
-              <a:blip r:embed="rId9"/>
-              <a:srcRect/>
-              <a:stretch>
-                <a:fillRect/>
-              </a:stretch>
-            </p:blipFill>
-            <p:spPr bwMode="auto">
-              <a:xfrm>
-                <a:off x="4643438" y="576263"/>
-                <a:ext cx="885825" cy="885825"/>
-              </a:xfrm>
-              <a:prstGeom prst="rect">
-                <a:avLst/>
-              </a:prstGeom>
-              <a:noFill/>
-            </p:spPr>
-          </p:pic>
-          <p:pic>
-            <p:nvPicPr>
-              <p:cNvPr id="50" name="Picture 5" descr="C:\mfo\DesarrolloActionLine\Docs\logo2_ActionLine.gif"/>
-              <p:cNvPicPr>
-                <a:picLocks noChangeAspect="1" noChangeArrowheads="1"/>
-              </p:cNvPicPr>
-              <p:nvPr/>
-            </p:nvPicPr>
-            <p:blipFill>
-              <a:blip r:embed="rId10"/>
-              <a:srcRect/>
-              <a:stretch>
-                <a:fillRect/>
-              </a:stretch>
-            </p:blipFill>
-            <p:spPr bwMode="auto">
-              <a:xfrm>
-                <a:off x="5500694" y="581005"/>
-                <a:ext cx="2352675" cy="885825"/>
-              </a:xfrm>
-              <a:prstGeom prst="rect">
-                <a:avLst/>
-              </a:prstGeom>
-              <a:noFill/>
-            </p:spPr>
-          </p:pic>
-        </p:grpSp>
-        <p:pic>
-          <p:nvPicPr>
-            <p:cNvPr id="48" name="Picture 2" descr="C:\mfo\DesarrolloActionLine\Docs\FondoAction.bmp"/>
-            <p:cNvPicPr>
-              <a:picLocks noChangeAspect="1" noChangeArrowheads="1"/>
-            </p:cNvPicPr>
-            <p:nvPr/>
-          </p:nvPicPr>
-          <p:blipFill>
-            <a:blip r:embed="rId11"/>
-            <a:srcRect/>
-            <a:stretch>
-              <a:fillRect/>
-            </a:stretch>
-          </p:blipFill>
-          <p:spPr bwMode="auto">
-            <a:xfrm>
-              <a:off x="3214678" y="0"/>
-              <a:ext cx="5929322" cy="642918"/>
-            </a:xfrm>
-            <a:prstGeom prst="rect">
-              <a:avLst/>
-            </a:prstGeom>
-            <a:noFill/>
-          </p:spPr>
-        </p:pic>
-      </p:grpSp>
+          <a:prstGeom prst="rect">
+            <a:avLst/>
+          </a:prstGeom>
+          <a:noFill/>
+        </p:spPr>
+      </p:pic>
       <p:sp>
         <p:nvSpPr>
           <p:cNvPr id="51" name="1 Título"/>

--- a/Documents/SOACommunication.pptx
+++ b/Documents/SOACommunication.pptx
@@ -5,16 +5,17 @@
     <p:sldMasterId id="2147483876" r:id="rId1"/>
   </p:sldMasterIdLst>
   <p:notesMasterIdLst>
-    <p:notesMasterId r:id="rId6"/>
+    <p:notesMasterId r:id="rId7"/>
   </p:notesMasterIdLst>
   <p:handoutMasterIdLst>
-    <p:handoutMasterId r:id="rId7"/>
+    <p:handoutMasterId r:id="rId8"/>
   </p:handoutMasterIdLst>
   <p:sldIdLst>
     <p:sldId id="257" r:id="rId2"/>
     <p:sldId id="258" r:id="rId3"/>
     <p:sldId id="259" r:id="rId4"/>
     <p:sldId id="260" r:id="rId5"/>
+    <p:sldId id="261" r:id="rId6"/>
   </p:sldIdLst>
   <p:sldSz cx="9144000" cy="6858000" type="screen4x3"/>
   <p:notesSz cx="6858000" cy="9144000"/>
@@ -206,7 +207,7 @@
             <a:fld id="{211D7C89-3668-409F-82C4-EB413D15F707}" type="datetimeFigureOut">
               <a:rPr lang="es-AR" smtClean="0"/>
               <a:pPr/>
-              <a:t>13/04/2011</a:t>
+              <a:t>25/03/2012</a:t>
             </a:fld>
             <a:endParaRPr lang="es-AR"/>
           </a:p>
@@ -273,13 +274,18 @@
             <a:fld id="{0E6CE8C5-0610-4710-862E-B1A3D51B319A}" type="slidenum">
               <a:rPr lang="es-AR" smtClean="0"/>
               <a:pPr/>
-              <a:t>‹Nº›</a:t>
+              <a:t>‹#›</a:t>
             </a:fld>
             <a:endParaRPr lang="es-AR"/>
           </a:p>
         </p:txBody>
       </p:sp>
     </p:spTree>
+    <p:extLst>
+      <p:ext uri="{BB962C8B-B14F-4D97-AF65-F5344CB8AC3E}">
+        <p14:creationId xmlns:p14="http://schemas.microsoft.com/office/powerpoint/2010/main" val="91180802"/>
+      </p:ext>
+    </p:extLst>
   </p:cSld>
   <p:clrMap bg1="lt1" tx1="dk1" bg2="lt2" tx2="dk2" accent1="accent1" accent2="accent2" accent3="accent3" accent4="accent4" accent5="accent5" accent6="accent6" hlink="hlink" folHlink="folHlink"/>
 </p:handoutMaster>
@@ -368,7 +374,7 @@
             <a:fld id="{F2B1C1A0-CDA5-45C7-A804-293B7C7B5244}" type="datetimeFigureOut">
               <a:rPr lang="es-AR" smtClean="0"/>
               <a:pPr/>
-              <a:t>13/04/2011</a:t>
+              <a:t>25/03/2012</a:t>
             </a:fld>
             <a:endParaRPr lang="es-AR"/>
           </a:p>
@@ -530,13 +536,18 @@
             <a:fld id="{78FC4466-754A-4A17-BBC5-47BC5FE69C7A}" type="slidenum">
               <a:rPr lang="es-AR" smtClean="0"/>
               <a:pPr/>
-              <a:t>‹Nº›</a:t>
+              <a:t>‹#›</a:t>
             </a:fld>
             <a:endParaRPr lang="es-AR"/>
           </a:p>
         </p:txBody>
       </p:sp>
     </p:spTree>
+    <p:extLst>
+      <p:ext uri="{BB962C8B-B14F-4D97-AF65-F5344CB8AC3E}">
+        <p14:creationId xmlns:p14="http://schemas.microsoft.com/office/powerpoint/2010/main" val="2594360507"/>
+      </p:ext>
+    </p:extLst>
   </p:cSld>
   <p:clrMap bg1="lt1" tx1="dk1" bg2="lt2" tx2="dk2" accent1="accent1" accent2="accent2" accent3="accent3" accent4="accent4" accent5="accent5" accent6="accent6" hlink="hlink" folHlink="folHlink"/>
   <p:notesStyle>
@@ -1019,7 +1030,7 @@
             <a:fld id="{52FC8CEA-0A16-4154-94F4-900FDF2B4E74}" type="datetimeFigureOut">
               <a:rPr lang="es-ES" smtClean="0"/>
               <a:pPr/>
-              <a:t>13/04/2011</a:t>
+              <a:t>25/03/2012</a:t>
             </a:fld>
             <a:endParaRPr lang="es-ES"/>
           </a:p>
@@ -1062,7 +1073,7 @@
             <a:fld id="{8AF5DED2-3229-4C9E-BAA3-426D9C5D6377}" type="slidenum">
               <a:rPr lang="es-ES" smtClean="0"/>
               <a:pPr/>
-              <a:t>‹Nº›</a:t>
+              <a:t>‹#›</a:t>
             </a:fld>
             <a:endParaRPr lang="es-ES"/>
           </a:p>
@@ -1186,7 +1197,7 @@
             <a:fld id="{52FC8CEA-0A16-4154-94F4-900FDF2B4E74}" type="datetimeFigureOut">
               <a:rPr lang="es-ES" smtClean="0"/>
               <a:pPr/>
-              <a:t>13/04/2011</a:t>
+              <a:t>25/03/2012</a:t>
             </a:fld>
             <a:endParaRPr lang="es-ES"/>
           </a:p>
@@ -1229,7 +1240,7 @@
             <a:fld id="{8AF5DED2-3229-4C9E-BAA3-426D9C5D6377}" type="slidenum">
               <a:rPr lang="es-ES" smtClean="0"/>
               <a:pPr/>
-              <a:t>‹Nº›</a:t>
+              <a:t>‹#›</a:t>
             </a:fld>
             <a:endParaRPr lang="es-ES"/>
           </a:p>
@@ -1363,7 +1374,7 @@
             <a:fld id="{52FC8CEA-0A16-4154-94F4-900FDF2B4E74}" type="datetimeFigureOut">
               <a:rPr lang="es-ES" smtClean="0"/>
               <a:pPr/>
-              <a:t>13/04/2011</a:t>
+              <a:t>25/03/2012</a:t>
             </a:fld>
             <a:endParaRPr lang="es-ES"/>
           </a:p>
@@ -1406,7 +1417,7 @@
             <a:fld id="{8AF5DED2-3229-4C9E-BAA3-426D9C5D6377}" type="slidenum">
               <a:rPr lang="es-ES" smtClean="0"/>
               <a:pPr/>
-              <a:t>‹Nº›</a:t>
+              <a:t>‹#›</a:t>
             </a:fld>
             <a:endParaRPr lang="es-ES"/>
           </a:p>
@@ -1507,7 +1518,7 @@
             <a:fld id="{52FC8CEA-0A16-4154-94F4-900FDF2B4E74}" type="datetimeFigureOut">
               <a:rPr lang="es-ES" smtClean="0"/>
               <a:pPr/>
-              <a:t>13/04/2011</a:t>
+              <a:t>25/03/2012</a:t>
             </a:fld>
             <a:endParaRPr lang="es-ES"/>
           </a:p>
@@ -1550,7 +1561,7 @@
             <a:fld id="{8AF5DED2-3229-4C9E-BAA3-426D9C5D6377}" type="slidenum">
               <a:rPr lang="es-ES" smtClean="0"/>
               <a:pPr/>
-              <a:t>‹Nº›</a:t>
+              <a:t>‹#›</a:t>
             </a:fld>
             <a:endParaRPr lang="es-ES"/>
           </a:p>
@@ -1994,7 +2005,7 @@
             <a:fld id="{52FC8CEA-0A16-4154-94F4-900FDF2B4E74}" type="datetimeFigureOut">
               <a:rPr lang="es-ES" smtClean="0"/>
               <a:pPr/>
-              <a:t>13/04/2011</a:t>
+              <a:t>25/03/2012</a:t>
             </a:fld>
             <a:endParaRPr lang="es-ES"/>
           </a:p>
@@ -2037,7 +2048,7 @@
             <a:fld id="{8AF5DED2-3229-4C9E-BAA3-426D9C5D6377}" type="slidenum">
               <a:rPr lang="es-ES" smtClean="0"/>
               <a:pPr/>
-              <a:t>‹Nº›</a:t>
+              <a:t>‹#›</a:t>
             </a:fld>
             <a:endParaRPr lang="es-ES"/>
           </a:p>
@@ -2260,7 +2271,7 @@
             <a:fld id="{52FC8CEA-0A16-4154-94F4-900FDF2B4E74}" type="datetimeFigureOut">
               <a:rPr lang="es-ES" smtClean="0"/>
               <a:pPr/>
-              <a:t>13/04/2011</a:t>
+              <a:t>25/03/2012</a:t>
             </a:fld>
             <a:endParaRPr lang="es-ES"/>
           </a:p>
@@ -2303,7 +2314,7 @@
             <a:fld id="{8AF5DED2-3229-4C9E-BAA3-426D9C5D6377}" type="slidenum">
               <a:rPr lang="es-ES" smtClean="0"/>
               <a:pPr/>
-              <a:t>‹Nº›</a:t>
+              <a:t>‹#›</a:t>
             </a:fld>
             <a:endParaRPr lang="es-ES"/>
           </a:p>
@@ -2636,7 +2647,7 @@
             <a:fld id="{52FC8CEA-0A16-4154-94F4-900FDF2B4E74}" type="datetimeFigureOut">
               <a:rPr lang="es-ES" smtClean="0"/>
               <a:pPr/>
-              <a:t>13/04/2011</a:t>
+              <a:t>25/03/2012</a:t>
             </a:fld>
             <a:endParaRPr lang="es-ES"/>
           </a:p>
@@ -2679,7 +2690,7 @@
             <a:fld id="{8AF5DED2-3229-4C9E-BAA3-426D9C5D6377}" type="slidenum">
               <a:rPr lang="es-ES" smtClean="0"/>
               <a:pPr/>
-              <a:t>‹Nº›</a:t>
+              <a:t>‹#›</a:t>
             </a:fld>
             <a:endParaRPr lang="es-ES"/>
           </a:p>
@@ -2760,7 +2771,7 @@
             <a:fld id="{52FC8CEA-0A16-4154-94F4-900FDF2B4E74}" type="datetimeFigureOut">
               <a:rPr lang="es-ES" smtClean="0"/>
               <a:pPr/>
-              <a:t>13/04/2011</a:t>
+              <a:t>25/03/2012</a:t>
             </a:fld>
             <a:endParaRPr lang="es-ES"/>
           </a:p>
@@ -2784,7 +2795,7 @@
             <a:fld id="{8AF5DED2-3229-4C9E-BAA3-426D9C5D6377}" type="slidenum">
               <a:rPr lang="es-ES" smtClean="0"/>
               <a:pPr/>
-              <a:t>‹Nº›</a:t>
+              <a:t>‹#›</a:t>
             </a:fld>
             <a:endParaRPr lang="es-ES"/>
           </a:p>
@@ -2852,7 +2863,7 @@
             <a:fld id="{52FC8CEA-0A16-4154-94F4-900FDF2B4E74}" type="datetimeFigureOut">
               <a:rPr lang="es-ES" smtClean="0"/>
               <a:pPr/>
-              <a:t>13/04/2011</a:t>
+              <a:t>25/03/2012</a:t>
             </a:fld>
             <a:endParaRPr lang="es-ES"/>
           </a:p>
@@ -2895,7 +2906,7 @@
             <a:fld id="{8AF5DED2-3229-4C9E-BAA3-426D9C5D6377}" type="slidenum">
               <a:rPr lang="es-ES" smtClean="0"/>
               <a:pPr/>
-              <a:t>‹Nº›</a:t>
+              <a:t>‹#›</a:t>
             </a:fld>
             <a:endParaRPr lang="es-ES"/>
           </a:p>
@@ -3103,7 +3114,7 @@
             <a:fld id="{52FC8CEA-0A16-4154-94F4-900FDF2B4E74}" type="datetimeFigureOut">
               <a:rPr lang="es-ES" smtClean="0"/>
               <a:pPr/>
-              <a:t>13/04/2011</a:t>
+              <a:t>25/03/2012</a:t>
             </a:fld>
             <a:endParaRPr lang="es-ES"/>
           </a:p>
@@ -3151,7 +3162,7 @@
             <a:fld id="{8AF5DED2-3229-4C9E-BAA3-426D9C5D6377}" type="slidenum">
               <a:rPr lang="es-ES" smtClean="0"/>
               <a:pPr/>
-              <a:t>‹Nº›</a:t>
+              <a:t>‹#›</a:t>
             </a:fld>
             <a:endParaRPr lang="es-ES"/>
           </a:p>
@@ -3364,7 +3375,7 @@
             <a:fld id="{52FC8CEA-0A16-4154-94F4-900FDF2B4E74}" type="datetimeFigureOut">
               <a:rPr lang="es-ES" smtClean="0"/>
               <a:pPr/>
-              <a:t>13/04/2011</a:t>
+              <a:t>25/03/2012</a:t>
             </a:fld>
             <a:endParaRPr lang="es-ES"/>
           </a:p>
@@ -3407,7 +3418,7 @@
             <a:fld id="{8AF5DED2-3229-4C9E-BAA3-426D9C5D6377}" type="slidenum">
               <a:rPr lang="es-ES" smtClean="0"/>
               <a:pPr/>
-              <a:t>‹Nº›</a:t>
+              <a:t>‹#›</a:t>
             </a:fld>
             <a:endParaRPr lang="es-ES"/>
           </a:p>
@@ -3770,7 +3781,7 @@
             <a:fld id="{52FC8CEA-0A16-4154-94F4-900FDF2B4E74}" type="datetimeFigureOut">
               <a:rPr lang="es-ES" smtClean="0"/>
               <a:pPr/>
-              <a:t>13/04/2011</a:t>
+              <a:t>25/03/2012</a:t>
             </a:fld>
             <a:endParaRPr lang="es-ES"/>
           </a:p>
@@ -3849,7 +3860,7 @@
             <a:fld id="{8AF5DED2-3229-4C9E-BAA3-426D9C5D6377}" type="slidenum">
               <a:rPr lang="es-ES" smtClean="0"/>
               <a:pPr/>
-              <a:t>‹Nº›</a:t>
+              <a:t>‹#›</a:t>
             </a:fld>
             <a:endParaRPr lang="es-ES"/>
           </a:p>
@@ -4336,7 +4347,11 @@
             <a:pPr algn="ctr"/>
             <a:r>
               <a:rPr lang="en-US" sz="1100" b="1" dirty="0" smtClean="0"/>
-              <a:t>WEB Dispatcher </a:t>
+              <a:t>WEB </a:t>
+            </a:r>
+            <a:r>
+              <a:rPr lang="en-US" sz="1100" b="1" dirty="0" smtClean="0"/>
+              <a:t>Dispatcher </a:t>
             </a:r>
             <a:r>
               <a:rPr lang="en-US" sz="1100" b="1" dirty="0" smtClean="0">
@@ -5587,7 +5602,7 @@
         <p:spPr bwMode="auto">
           <a:xfrm>
             <a:off x="5000628" y="5357826"/>
-            <a:ext cx="1571636" cy="857256"/>
+            <a:ext cx="2235668" cy="857256"/>
           </a:xfrm>
           <a:prstGeom prst="rect">
             <a:avLst/>
@@ -5614,8 +5629,16 @@
           <a:p>
             <a:pPr algn="ctr"/>
             <a:r>
+              <a:rPr lang="en-US" sz="1100" b="1" dirty="0" err="1" smtClean="0"/>
+              <a:t>Remoting</a:t>
+            </a:r>
+            <a:r>
               <a:rPr lang="en-US" sz="1100" b="1" dirty="0" smtClean="0"/>
-              <a:t>LAN Dispatcher :</a:t>
+              <a:t> Dispatcher </a:t>
+            </a:r>
+            <a:r>
+              <a:rPr lang="en-US" sz="1100" b="1" dirty="0" smtClean="0"/>
+              <a:t>:</a:t>
             </a:r>
           </a:p>
           <a:p>
@@ -5640,7 +5663,11 @@
             </a:r>
             <a:r>
               <a:rPr lang="en-US" sz="1100" dirty="0" smtClean="0"/>
-              <a:t>: Bin</a:t>
+              <a:t>: </a:t>
+            </a:r>
+            <a:r>
+              <a:rPr lang="en-US" sz="1100" dirty="0" err="1" smtClean="0"/>
+              <a:t>Binnaria</a:t>
             </a:r>
             <a:endParaRPr lang="en-US" sz="1100" dirty="0"/>
           </a:p>
@@ -6235,7 +6262,7 @@
         </p:blipFill>
         <p:spPr bwMode="auto">
           <a:xfrm>
-            <a:off x="6143636" y="928670"/>
+            <a:off x="7143768" y="893944"/>
             <a:ext cx="357190" cy="702496"/>
           </a:xfrm>
           <a:prstGeom prst="rect">
@@ -6250,6 +6277,101 @@
           </a:ln>
         </p:spPr>
       </p:pic>
+      <p:sp>
+        <p:nvSpPr>
+          <p:cNvPr id="53" name="Rectangle 557"/>
+          <p:cNvSpPr>
+            <a:spLocks noChangeArrowheads="1"/>
+          </p:cNvSpPr>
+          <p:nvPr/>
+        </p:nvSpPr>
+        <p:spPr bwMode="auto">
+          <a:xfrm>
+            <a:off x="7668344" y="1184384"/>
+            <a:ext cx="951801" cy="529301"/>
+          </a:xfrm>
+          <a:prstGeom prst="rect">
+            <a:avLst/>
+          </a:prstGeom>
+          <a:solidFill>
+            <a:srgbClr val="FFFFCC">
+              <a:alpha val="2000"/>
+            </a:srgbClr>
+          </a:solidFill>
+          <a:ln w="9525" algn="ctr">
+            <a:solidFill>
+              <a:schemeClr val="tx1">
+                <a:alpha val="0"/>
+              </a:schemeClr>
+            </a:solidFill>
+            <a:miter lim="800000"/>
+            <a:headEnd/>
+            <a:tailEnd/>
+          </a:ln>
+        </p:spPr>
+        <p:txBody>
+          <a:bodyPr wrap="none"/>
+          <a:lstStyle/>
+          <a:p>
+            <a:pPr algn="ctr"/>
+            <a:r>
+              <a:rPr lang="en-US" sz="1100" b="1" dirty="0" smtClean="0"/>
+              <a:t>:</a:t>
+            </a:r>
+            <a:endParaRPr lang="en-US" sz="1100" b="1" dirty="0" smtClean="0"/>
+          </a:p>
+          <a:p>
+            <a:pPr algn="l"/>
+            <a:r>
+              <a:rPr lang="en-US" sz="1100" dirty="0" smtClean="0"/>
+              <a:t>SQL Server</a:t>
+            </a:r>
+            <a:endParaRPr lang="en-US" sz="1100" dirty="0"/>
+          </a:p>
+        </p:txBody>
+      </p:sp>
+      <p:cxnSp>
+        <p:nvCxnSpPr>
+          <p:cNvPr id="54" name="85 Conector angular"/>
+          <p:cNvCxnSpPr/>
+          <p:nvPr/>
+        </p:nvCxnSpPr>
+        <p:spPr>
+          <a:xfrm rot="5400000" flipH="1" flipV="1">
+            <a:off x="6134882" y="2195142"/>
+            <a:ext cx="1849764" cy="785111"/>
+          </a:xfrm>
+          <a:prstGeom prst="bentConnector3">
+            <a:avLst>
+              <a:gd name="adj1" fmla="val 50000"/>
+            </a:avLst>
+          </a:prstGeom>
+          <a:ln>
+            <a:solidFill>
+              <a:schemeClr val="tx1">
+                <a:lumMod val="95000"/>
+                <a:lumOff val="5000"/>
+              </a:schemeClr>
+            </a:solidFill>
+            <a:prstDash val="dashDot"/>
+            <a:tailEnd type="arrow"/>
+          </a:ln>
+        </p:spPr>
+        <p:style>
+          <a:lnRef idx="1">
+            <a:schemeClr val="accent1"/>
+          </a:lnRef>
+          <a:fillRef idx="0">
+            <a:schemeClr val="accent1"/>
+          </a:fillRef>
+          <a:effectRef idx="0">
+            <a:schemeClr val="accent1"/>
+          </a:effectRef>
+          <a:fontRef idx="minor">
+            <a:schemeClr val="tx1"/>
+          </a:fontRef>
+        </p:style>
+      </p:cxnSp>
     </p:spTree>
   </p:cSld>
   <p:clrMapOvr>
@@ -7266,6 +7388,82 @@
                                         <p:strVal val="hidden"/>
                                       </p:to>
                                     </p:set>
+                                  </p:childTnLst>
+                                </p:cTn>
+                              </p:par>
+                              <p:par>
+                                <p:cTn id="90" presetID="4" presetClass="entr" presetSubtype="16" fill="hold" nodeType="withEffect">
+                                  <p:stCondLst>
+                                    <p:cond delay="0"/>
+                                  </p:stCondLst>
+                                  <p:childTnLst>
+                                    <p:set>
+                                      <p:cBhvr>
+                                        <p:cTn id="91" dur="1" fill="hold">
+                                          <p:stCondLst>
+                                            <p:cond delay="0"/>
+                                          </p:stCondLst>
+                                        </p:cTn>
+                                        <p:tgtEl>
+                                          <p:spTgt spid="54"/>
+                                        </p:tgtEl>
+                                        <p:attrNameLst>
+                                          <p:attrName>style.visibility</p:attrName>
+                                        </p:attrNameLst>
+                                      </p:cBhvr>
+                                      <p:to>
+                                        <p:strVal val="visible"/>
+                                      </p:to>
+                                    </p:set>
+                                    <p:animEffect transition="in" filter="box(in)">
+                                      <p:cBhvr>
+                                        <p:cTn id="92" dur="1000"/>
+                                        <p:tgtEl>
+                                          <p:spTgt spid="54"/>
+                                        </p:tgtEl>
+                                      </p:cBhvr>
+                                    </p:animEffect>
+                                  </p:childTnLst>
+                                </p:cTn>
+                              </p:par>
+                            </p:childTnLst>
+                          </p:cTn>
+                        </p:par>
+                        <p:par>
+                          <p:cTn id="93" fill="hold">
+                            <p:stCondLst>
+                              <p:cond delay="8000"/>
+                            </p:stCondLst>
+                            <p:childTnLst>
+                              <p:par>
+                                <p:cTn id="94" presetID="35" presetClass="emph" presetSubtype="0" fill="hold" nodeType="afterEffect">
+                                  <p:stCondLst>
+                                    <p:cond delay="0"/>
+                                  </p:stCondLst>
+                                  <p:childTnLst>
+                                    <p:anim calcmode="discrete" valueType="str">
+                                      <p:cBhvr>
+                                        <p:cTn id="95" dur="1000" fill="hold"/>
+                                        <p:tgtEl>
+                                          <p:spTgt spid="54"/>
+                                        </p:tgtEl>
+                                        <p:attrNameLst>
+                                          <p:attrName>style.visibility</p:attrName>
+                                        </p:attrNameLst>
+                                      </p:cBhvr>
+                                      <p:tavLst>
+                                        <p:tav tm="0">
+                                          <p:val>
+                                            <p:strVal val="hidden"/>
+                                          </p:val>
+                                        </p:tav>
+                                        <p:tav tm="50000">
+                                          <p:val>
+                                            <p:strVal val="visible"/>
+                                          </p:val>
+                                        </p:tav>
+                                      </p:tavLst>
+                                    </p:anim>
                                   </p:childTnLst>
                                 </p:cTn>
                               </p:par>
@@ -9061,7 +9259,7 @@
                                     <p:cond delay="0"/>
                                   </p:stCondLst>
                                   <p:childTnLst>
-                                    <p:animClr clrSpc="rgb">
+                                    <p:animClr clrSpc="rgb" dir="cw">
                                       <p:cBhvr override="childStyle">
                                         <p:cTn id="21" dur="500" autoRev="1" fill="hold"/>
                                         <p:tgtEl>
@@ -9075,7 +9273,7 @@
                                         <a:schemeClr val="hlink"/>
                                       </p:to>
                                     </p:animClr>
-                                    <p:animClr clrSpc="rgb">
+                                    <p:animClr clrSpc="rgb" dir="cw">
                                       <p:cBhvr>
                                         <p:cTn id="22" dur="500" autoRev="1" fill="hold"/>
                                         <p:tgtEl>
@@ -9181,7 +9379,7 @@
                                           <p:attrName>ppt_y</p:attrName>
                                         </p:attrNameLst>
                                       </p:cBhvr>
-                                      <p:rCtr x="36" y="57"/>
+                                      <p:rCtr x="3600" y="5700"/>
                                     </p:animMotion>
                                   </p:childTnLst>
                                 </p:cTn>
@@ -9465,7 +9663,7 @@
                                     <p:cond delay="0"/>
                                   </p:stCondLst>
                                   <p:childTnLst>
-                                    <p:animClr clrSpc="rgb">
+                                    <p:animClr clrSpc="rgb" dir="cw">
                                       <p:cBhvr override="childStyle">
                                         <p:cTn id="57" dur="500" autoRev="1" fill="hold"/>
                                         <p:tgtEl>
@@ -9479,7 +9677,7 @@
                                         <a:schemeClr val="hlink"/>
                                       </p:to>
                                     </p:animClr>
-                                    <p:animClr clrSpc="rgb">
+                                    <p:animClr clrSpc="rgb" dir="cw">
                                       <p:cBhvr>
                                         <p:cTn id="58" dur="500" autoRev="1" fill="hold"/>
                                         <p:tgtEl>
@@ -9603,7 +9801,7 @@
                                           <p:attrName>ppt_y</p:attrName>
                                         </p:attrNameLst>
                                       </p:cBhvr>
-                                      <p:rCtr x="108" y="-41"/>
+                                      <p:rCtr x="10800" y="-4100"/>
                                     </p:animMotion>
                                   </p:childTnLst>
                                 </p:cTn>
@@ -13063,7 +13261,7 @@
                                           <p:attrName>ppt_y</p:attrName>
                                         </p:attrNameLst>
                                       </p:cBhvr>
-                                      <p:rCtr x="182" y="51"/>
+                                      <p:rCtr x="18200" y="5100"/>
                                     </p:animMotion>
                                   </p:childTnLst>
                                 </p:cTn>
@@ -13086,7 +13284,7 @@
                                     <p:tmPct val="0"/>
                                   </p:iterate>
                                   <p:childTnLst>
-                                    <p:animClr clrSpc="hsl">
+                                    <p:animClr clrSpc="hsl" dir="cw">
                                       <p:cBhvr override="childStyle">
                                         <p:cTn id="21" dur="500" fill="hold"/>
                                         <p:tgtEl>
@@ -13100,7 +13298,7 @@
                                         <p:hsl h="-7200000" s="0" l="0"/>
                                       </p:by>
                                     </p:animClr>
-                                    <p:animClr clrSpc="hsl">
+                                    <p:animClr clrSpc="hsl" dir="cw">
                                       <p:cBhvr>
                                         <p:cTn id="22" dur="500" fill="hold"/>
                                         <p:tgtEl>
@@ -13114,7 +13312,7 @@
                                         <p:hsl h="-7200000" s="0" l="0"/>
                                       </p:by>
                                     </p:animClr>
-                                    <p:animClr clrSpc="hsl">
+                                    <p:animClr clrSpc="hsl" dir="cw">
                                       <p:cBhvr>
                                         <p:cTn id="23" dur="500" fill="hold"/>
                                         <p:tgtEl>
@@ -13268,7 +13466,7 @@
                                           <p:attrName>ppt_y</p:attrName>
                                         </p:attrNameLst>
                                       </p:cBhvr>
-                                      <p:rCtr x="-20" y="33"/>
+                                      <p:rCtr x="-2000" y="3300"/>
                                     </p:animMotion>
                                   </p:childTnLst>
                                 </p:cTn>
@@ -13291,7 +13489,7 @@
                                     <p:tmPct val="0"/>
                                   </p:iterate>
                                   <p:childTnLst>
-                                    <p:animClr clrSpc="hsl">
+                                    <p:animClr clrSpc="hsl" dir="cw">
                                       <p:cBhvr override="childStyle">
                                         <p:cTn id="38" dur="500" fill="hold"/>
                                         <p:tgtEl>
@@ -13305,7 +13503,7 @@
                                         <p:hsl h="-7200000" s="0" l="0"/>
                                       </p:by>
                                     </p:animClr>
-                                    <p:animClr clrSpc="hsl">
+                                    <p:animClr clrSpc="hsl" dir="cw">
                                       <p:cBhvr>
                                         <p:cTn id="39" dur="500" fill="hold"/>
                                         <p:tgtEl>
@@ -13319,7 +13517,7 @@
                                         <p:hsl h="-7200000" s="0" l="0"/>
                                       </p:by>
                                     </p:animClr>
-                                    <p:animClr clrSpc="hsl">
+                                    <p:animClr clrSpc="hsl" dir="cw">
                                       <p:cBhvr>
                                         <p:cTn id="40" dur="500" fill="hold"/>
                                         <p:tgtEl>
@@ -13740,7 +13938,7 @@
                                           <p:attrName>ppt_y</p:attrName>
                                         </p:attrNameLst>
                                       </p:cBhvr>
-                                      <p:rCtr x="37" y="40"/>
+                                      <p:rCtr x="3700" y="4000"/>
                                     </p:animMotion>
                                   </p:childTnLst>
                                 </p:cTn>
@@ -13762,7 +13960,7 @@
                                           <p:attrName>ppt_y</p:attrName>
                                         </p:attrNameLst>
                                       </p:cBhvr>
-                                      <p:rCtr x="-20" y="42"/>
+                                      <p:rCtr x="-2000" y="4200"/>
                                     </p:animMotion>
                                   </p:childTnLst>
                                 </p:cTn>
@@ -14039,7 +14237,7 @@
                                           <p:attrName>ppt_y</p:attrName>
                                         </p:attrNameLst>
                                       </p:cBhvr>
-                                      <p:rCtr x="-13" y="43"/>
+                                      <p:rCtr x="-1300" y="4300"/>
                                     </p:animMotion>
                                   </p:childTnLst>
                                 </p:cTn>
@@ -14061,7 +14259,7 @@
                                           <p:attrName>ppt_y</p:attrName>
                                         </p:attrNameLst>
                                       </p:cBhvr>
-                                      <p:rCtr x="4" y="39"/>
+                                      <p:rCtr x="400" y="3900"/>
                                     </p:animMotion>
                                   </p:childTnLst>
                                 </p:cTn>
@@ -16292,7 +16490,7 @@
                                           <p:attrName>ppt_y</p:attrName>
                                         </p:attrNameLst>
                                       </p:cBhvr>
-                                      <p:rCtr x="-237" y="84"/>
+                                      <p:rCtr x="-23700" y="8400"/>
                                     </p:animMotion>
                                   </p:childTnLst>
                                 </p:cTn>
@@ -16456,7 +16654,7 @@
                                           <p:attrName>ppt_y</p:attrName>
                                         </p:attrNameLst>
                                       </p:cBhvr>
-                                      <p:rCtr x="-39" y="-110"/>
+                                      <p:rCtr x="-3900" y="-11000"/>
                                     </p:animMotion>
                                   </p:childTnLst>
                                 </p:cTn>
@@ -16628,7 +16826,7 @@
                                           <p:attrName>ppt_y</p:attrName>
                                         </p:attrNameLst>
                                       </p:cBhvr>
-                                      <p:rCtr x="74" y="-118"/>
+                                      <p:rCtr x="7400" y="-11800"/>
                                     </p:animMotion>
                                   </p:childTnLst>
                                 </p:cTn>
@@ -16748,6 +16946,1051 @@
       <p:bldP spid="40" grpId="1" animBg="1"/>
       <p:bldP spid="40" grpId="2" animBg="1"/>
     </p:bldLst>
+  </p:timing>
+</p:sld>
+</file>
+
+<file path=ppt/slides/slide5.xml><?xml version="1.0" encoding="utf-8"?>
+<p:sld xmlns:a="http://schemas.openxmlformats.org/drawingml/2006/main" xmlns:r="http://schemas.openxmlformats.org/officeDocument/2006/relationships" xmlns:p="http://schemas.openxmlformats.org/presentationml/2006/main">
+  <p:cSld>
+    <p:spTree>
+      <p:nvGrpSpPr>
+        <p:cNvPr id="1" name=""/>
+        <p:cNvGrpSpPr/>
+        <p:nvPr/>
+      </p:nvGrpSpPr>
+      <p:grpSpPr>
+        <a:xfrm>
+          <a:off x="0" y="0"/>
+          <a:ext cx="0" cy="0"/>
+          <a:chOff x="0" y="0"/>
+          <a:chExt cx="0" cy="0"/>
+        </a:xfrm>
+      </p:grpSpPr>
+      <p:sp>
+        <p:nvSpPr>
+          <p:cNvPr id="3" name="Title 2"/>
+          <p:cNvSpPr>
+            <a:spLocks noGrp="1"/>
+          </p:cNvSpPr>
+          <p:nvPr>
+            <p:ph type="title"/>
+          </p:nvPr>
+        </p:nvSpPr>
+        <p:spPr/>
+        <p:txBody>
+          <a:bodyPr/>
+          <a:lstStyle/>
+          <a:p>
+            <a:endParaRPr lang="es-AR"/>
+          </a:p>
+        </p:txBody>
+      </p:sp>
+      <p:grpSp>
+        <p:nvGrpSpPr>
+          <p:cNvPr id="4" name="48 Grupo"/>
+          <p:cNvGrpSpPr/>
+          <p:nvPr/>
+        </p:nvGrpSpPr>
+        <p:grpSpPr>
+          <a:xfrm>
+            <a:off x="1805218" y="2017346"/>
+            <a:ext cx="1062046" cy="928694"/>
+            <a:chOff x="357158" y="1000108"/>
+            <a:chExt cx="1062046" cy="928694"/>
+          </a:xfrm>
+        </p:grpSpPr>
+        <p:grpSp>
+          <p:nvGrpSpPr>
+            <p:cNvPr id="5" name="Group 12"/>
+            <p:cNvGrpSpPr>
+              <a:grpSpLocks/>
+            </p:cNvGrpSpPr>
+            <p:nvPr/>
+          </p:nvGrpSpPr>
+          <p:grpSpPr bwMode="auto">
+            <a:xfrm>
+              <a:off x="571472" y="1285860"/>
+              <a:ext cx="428628" cy="428628"/>
+              <a:chOff x="4493" y="3195"/>
+              <a:chExt cx="1026" cy="925"/>
+            </a:xfrm>
+          </p:grpSpPr>
+          <p:pic>
+            <p:nvPicPr>
+              <p:cNvPr id="13" name="Picture 13"/>
+              <p:cNvPicPr>
+                <a:picLocks noChangeAspect="1" noChangeArrowheads="1"/>
+              </p:cNvPicPr>
+              <p:nvPr/>
+            </p:nvPicPr>
+            <p:blipFill>
+              <a:blip r:embed="rId2" cstate="print"/>
+              <a:srcRect/>
+              <a:stretch>
+                <a:fillRect/>
+              </a:stretch>
+            </p:blipFill>
+            <p:spPr bwMode="auto">
+              <a:xfrm flipH="1">
+                <a:off x="4493" y="3195"/>
+                <a:ext cx="979" cy="911"/>
+              </a:xfrm>
+              <a:prstGeom prst="rect">
+                <a:avLst/>
+              </a:prstGeom>
+              <a:noFill/>
+              <a:ln w="9525">
+                <a:noFill/>
+                <a:miter lim="800000"/>
+                <a:headEnd/>
+                <a:tailEnd/>
+              </a:ln>
+            </p:spPr>
+          </p:pic>
+          <p:pic>
+            <p:nvPicPr>
+              <p:cNvPr id="14" name="Picture 14"/>
+              <p:cNvPicPr>
+                <a:picLocks noChangeAspect="1" noChangeArrowheads="1"/>
+              </p:cNvPicPr>
+              <p:nvPr/>
+            </p:nvPicPr>
+            <p:blipFill>
+              <a:blip r:embed="rId3" cstate="print"/>
+              <a:srcRect/>
+              <a:stretch>
+                <a:fillRect/>
+              </a:stretch>
+            </p:blipFill>
+            <p:spPr bwMode="auto">
+              <a:xfrm flipH="1">
+                <a:off x="5040" y="3504"/>
+                <a:ext cx="479" cy="616"/>
+              </a:xfrm>
+              <a:prstGeom prst="rect">
+                <a:avLst/>
+              </a:prstGeom>
+              <a:noFill/>
+              <a:ln w="9525">
+                <a:noFill/>
+                <a:miter lim="800000"/>
+                <a:headEnd/>
+                <a:tailEnd/>
+              </a:ln>
+            </p:spPr>
+          </p:pic>
+        </p:grpSp>
+        <p:sp>
+          <p:nvSpPr>
+            <p:cNvPr id="6" name="35 Rectángulo"/>
+            <p:cNvSpPr/>
+            <p:nvPr/>
+          </p:nvSpPr>
+          <p:spPr>
+            <a:xfrm>
+              <a:off x="357158" y="1682581"/>
+              <a:ext cx="772969" cy="246221"/>
+            </a:xfrm>
+            <a:prstGeom prst="rect">
+              <a:avLst/>
+            </a:prstGeom>
+            <a:effectLst>
+              <a:outerShdw blurRad="50800" dist="38100" dir="2700000" algn="tl" rotWithShape="0">
+                <a:prstClr val="black">
+                  <a:alpha val="40000"/>
+                </a:prstClr>
+              </a:outerShdw>
+            </a:effectLst>
+          </p:spPr>
+          <p:txBody>
+            <a:bodyPr wrap="none">
+              <a:spAutoFit/>
+            </a:bodyPr>
+            <a:lstStyle/>
+            <a:p>
+              <a:r>
+                <a:rPr lang="es-MX" sz="1000" b="1" dirty="0" err="1">
+                  <a:solidFill>
+                    <a:schemeClr val="bg2">
+                      <a:lumMod val="20000"/>
+                      <a:lumOff val="80000"/>
+                    </a:schemeClr>
+                  </a:solidFill>
+                </a:rPr>
+                <a:t>Providers</a:t>
+              </a:r>
+              <a:endParaRPr lang="es-ES" sz="1000" b="1" dirty="0">
+                <a:solidFill>
+                  <a:schemeClr val="bg2">
+                    <a:lumMod val="20000"/>
+                    <a:lumOff val="80000"/>
+                  </a:schemeClr>
+                </a:solidFill>
+              </a:endParaRPr>
+            </a:p>
+          </p:txBody>
+        </p:sp>
+        <p:grpSp>
+          <p:nvGrpSpPr>
+            <p:cNvPr id="7" name="Group 12"/>
+            <p:cNvGrpSpPr>
+              <a:grpSpLocks/>
+            </p:cNvGrpSpPr>
+            <p:nvPr/>
+          </p:nvGrpSpPr>
+          <p:grpSpPr bwMode="auto">
+            <a:xfrm>
+              <a:off x="1000100" y="1295384"/>
+              <a:ext cx="419104" cy="347666"/>
+              <a:chOff x="4493" y="3195"/>
+              <a:chExt cx="1026" cy="925"/>
+            </a:xfrm>
+          </p:grpSpPr>
+          <p:pic>
+            <p:nvPicPr>
+              <p:cNvPr id="11" name="Picture 13"/>
+              <p:cNvPicPr>
+                <a:picLocks noChangeAspect="1" noChangeArrowheads="1"/>
+              </p:cNvPicPr>
+              <p:nvPr/>
+            </p:nvPicPr>
+            <p:blipFill>
+              <a:blip r:embed="rId2" cstate="print"/>
+              <a:srcRect/>
+              <a:stretch>
+                <a:fillRect/>
+              </a:stretch>
+            </p:blipFill>
+            <p:spPr bwMode="auto">
+              <a:xfrm flipH="1">
+                <a:off x="4493" y="3195"/>
+                <a:ext cx="979" cy="911"/>
+              </a:xfrm>
+              <a:prstGeom prst="rect">
+                <a:avLst/>
+              </a:prstGeom>
+              <a:noFill/>
+              <a:ln w="9525">
+                <a:noFill/>
+                <a:miter lim="800000"/>
+                <a:headEnd/>
+                <a:tailEnd/>
+              </a:ln>
+            </p:spPr>
+          </p:pic>
+          <p:pic>
+            <p:nvPicPr>
+              <p:cNvPr id="12" name="Picture 14"/>
+              <p:cNvPicPr>
+                <a:picLocks noChangeAspect="1" noChangeArrowheads="1"/>
+              </p:cNvPicPr>
+              <p:nvPr/>
+            </p:nvPicPr>
+            <p:blipFill>
+              <a:blip r:embed="rId3" cstate="print"/>
+              <a:srcRect/>
+              <a:stretch>
+                <a:fillRect/>
+              </a:stretch>
+            </p:blipFill>
+            <p:spPr bwMode="auto">
+              <a:xfrm flipH="1">
+                <a:off x="5040" y="3504"/>
+                <a:ext cx="479" cy="616"/>
+              </a:xfrm>
+              <a:prstGeom prst="rect">
+                <a:avLst/>
+              </a:prstGeom>
+              <a:noFill/>
+              <a:ln w="9525">
+                <a:noFill/>
+                <a:miter lim="800000"/>
+                <a:headEnd/>
+                <a:tailEnd/>
+              </a:ln>
+            </p:spPr>
+          </p:pic>
+        </p:grpSp>
+        <p:grpSp>
+          <p:nvGrpSpPr>
+            <p:cNvPr id="8" name="Group 12"/>
+            <p:cNvGrpSpPr>
+              <a:grpSpLocks/>
+            </p:cNvGrpSpPr>
+            <p:nvPr/>
+          </p:nvGrpSpPr>
+          <p:grpSpPr bwMode="auto">
+            <a:xfrm>
+              <a:off x="642910" y="1000108"/>
+              <a:ext cx="419104" cy="347666"/>
+              <a:chOff x="4493" y="3195"/>
+              <a:chExt cx="1026" cy="925"/>
+            </a:xfrm>
+          </p:grpSpPr>
+          <p:pic>
+            <p:nvPicPr>
+              <p:cNvPr id="9" name="Picture 13"/>
+              <p:cNvPicPr>
+                <a:picLocks noChangeAspect="1" noChangeArrowheads="1"/>
+              </p:cNvPicPr>
+              <p:nvPr/>
+            </p:nvPicPr>
+            <p:blipFill>
+              <a:blip r:embed="rId2" cstate="print"/>
+              <a:srcRect/>
+              <a:stretch>
+                <a:fillRect/>
+              </a:stretch>
+            </p:blipFill>
+            <p:spPr bwMode="auto">
+              <a:xfrm flipH="1">
+                <a:off x="4493" y="3195"/>
+                <a:ext cx="979" cy="911"/>
+              </a:xfrm>
+              <a:prstGeom prst="rect">
+                <a:avLst/>
+              </a:prstGeom>
+              <a:noFill/>
+              <a:ln w="9525">
+                <a:noFill/>
+                <a:miter lim="800000"/>
+                <a:headEnd/>
+                <a:tailEnd/>
+              </a:ln>
+            </p:spPr>
+          </p:pic>
+          <p:pic>
+            <p:nvPicPr>
+              <p:cNvPr id="10" name="Picture 14"/>
+              <p:cNvPicPr>
+                <a:picLocks noChangeAspect="1" noChangeArrowheads="1"/>
+              </p:cNvPicPr>
+              <p:nvPr/>
+            </p:nvPicPr>
+            <p:blipFill>
+              <a:blip r:embed="rId3" cstate="print"/>
+              <a:srcRect/>
+              <a:stretch>
+                <a:fillRect/>
+              </a:stretch>
+            </p:blipFill>
+            <p:spPr bwMode="auto">
+              <a:xfrm flipH="1">
+                <a:off x="5040" y="3504"/>
+                <a:ext cx="479" cy="616"/>
+              </a:xfrm>
+              <a:prstGeom prst="rect">
+                <a:avLst/>
+              </a:prstGeom>
+              <a:noFill/>
+              <a:ln w="9525">
+                <a:noFill/>
+                <a:miter lim="800000"/>
+                <a:headEnd/>
+                <a:tailEnd/>
+              </a:ln>
+            </p:spPr>
+          </p:pic>
+        </p:grpSp>
+      </p:grpSp>
+      <p:pic>
+        <p:nvPicPr>
+          <p:cNvPr id="15" name="Picture 24"/>
+          <p:cNvPicPr>
+            <a:picLocks noGrp="1" noChangeAspect="1" noChangeArrowheads="1"/>
+          </p:cNvPicPr>
+          <p:nvPr>
+            <p:ph idx="1"/>
+          </p:nvPr>
+        </p:nvPicPr>
+        <p:blipFill>
+          <a:blip r:embed="rId4" cstate="print"/>
+          <a:srcRect/>
+          <a:stretch>
+            <a:fillRect/>
+          </a:stretch>
+        </p:blipFill>
+        <p:spPr bwMode="auto">
+          <a:xfrm>
+            <a:off x="5364088" y="2954277"/>
+            <a:ext cx="472202" cy="594506"/>
+          </a:xfrm>
+          <a:prstGeom prst="rect">
+            <a:avLst/>
+          </a:prstGeom>
+          <a:noFill/>
+          <a:ln w="9525">
+            <a:noFill/>
+            <a:miter lim="800000"/>
+            <a:headEnd/>
+            <a:tailEnd/>
+          </a:ln>
+        </p:spPr>
+      </p:pic>
+      <p:grpSp>
+        <p:nvGrpSpPr>
+          <p:cNvPr id="17" name="Group 12"/>
+          <p:cNvGrpSpPr>
+            <a:grpSpLocks/>
+          </p:cNvGrpSpPr>
+          <p:nvPr/>
+        </p:nvGrpSpPr>
+        <p:grpSpPr bwMode="auto">
+          <a:xfrm>
+            <a:off x="3175801" y="3421578"/>
+            <a:ext cx="428628" cy="428628"/>
+            <a:chOff x="4493" y="3195"/>
+            <a:chExt cx="1026" cy="925"/>
+          </a:xfrm>
+        </p:grpSpPr>
+        <p:pic>
+          <p:nvPicPr>
+            <p:cNvPr id="25" name="Picture 13"/>
+            <p:cNvPicPr>
+              <a:picLocks noChangeAspect="1" noChangeArrowheads="1"/>
+            </p:cNvPicPr>
+            <p:nvPr/>
+          </p:nvPicPr>
+          <p:blipFill>
+            <a:blip r:embed="rId2" cstate="print"/>
+            <a:srcRect/>
+            <a:stretch>
+              <a:fillRect/>
+            </a:stretch>
+          </p:blipFill>
+          <p:spPr bwMode="auto">
+            <a:xfrm flipH="1">
+              <a:off x="4493" y="3195"/>
+              <a:ext cx="979" cy="911"/>
+            </a:xfrm>
+            <a:prstGeom prst="rect">
+              <a:avLst/>
+            </a:prstGeom>
+            <a:noFill/>
+            <a:ln w="9525">
+              <a:noFill/>
+              <a:miter lim="800000"/>
+              <a:headEnd/>
+              <a:tailEnd/>
+            </a:ln>
+          </p:spPr>
+        </p:pic>
+        <p:pic>
+          <p:nvPicPr>
+            <p:cNvPr id="26" name="Picture 14"/>
+            <p:cNvPicPr>
+              <a:picLocks noChangeAspect="1" noChangeArrowheads="1"/>
+            </p:cNvPicPr>
+            <p:nvPr/>
+          </p:nvPicPr>
+          <p:blipFill>
+            <a:blip r:embed="rId3" cstate="print"/>
+            <a:srcRect/>
+            <a:stretch>
+              <a:fillRect/>
+            </a:stretch>
+          </p:blipFill>
+          <p:spPr bwMode="auto">
+            <a:xfrm flipH="1">
+              <a:off x="5040" y="3504"/>
+              <a:ext cx="479" cy="616"/>
+            </a:xfrm>
+            <a:prstGeom prst="rect">
+              <a:avLst/>
+            </a:prstGeom>
+            <a:noFill/>
+            <a:ln w="9525">
+              <a:noFill/>
+              <a:miter lim="800000"/>
+              <a:headEnd/>
+              <a:tailEnd/>
+            </a:ln>
+          </p:spPr>
+        </p:pic>
+      </p:grpSp>
+      <p:sp>
+        <p:nvSpPr>
+          <p:cNvPr id="18" name="35 Rectángulo"/>
+          <p:cNvSpPr/>
+          <p:nvPr/>
+        </p:nvSpPr>
+        <p:spPr>
+          <a:xfrm>
+            <a:off x="3480352" y="3512782"/>
+            <a:ext cx="503664" cy="246221"/>
+          </a:xfrm>
+          <a:prstGeom prst="rect">
+            <a:avLst/>
+          </a:prstGeom>
+          <a:effectLst>
+            <a:outerShdw blurRad="50800" dist="38100" dir="2700000" algn="tl" rotWithShape="0">
+              <a:prstClr val="black">
+                <a:alpha val="40000"/>
+              </a:prstClr>
+            </a:outerShdw>
+          </a:effectLst>
+        </p:spPr>
+        <p:txBody>
+          <a:bodyPr wrap="none">
+            <a:spAutoFit/>
+          </a:bodyPr>
+          <a:lstStyle/>
+          <a:p>
+            <a:r>
+              <a:rPr lang="es-MX" sz="1000" dirty="0" smtClean="0">
+                <a:solidFill>
+                  <a:schemeClr val="bg2">
+                    <a:lumMod val="20000"/>
+                    <a:lumOff val="80000"/>
+                  </a:schemeClr>
+                </a:solidFill>
+              </a:rPr>
+              <a:t>Sales</a:t>
+            </a:r>
+            <a:endParaRPr lang="es-ES" sz="1000" dirty="0">
+              <a:solidFill>
+                <a:schemeClr val="bg2">
+                  <a:lumMod val="20000"/>
+                  <a:lumOff val="80000"/>
+                </a:schemeClr>
+              </a:solidFill>
+            </a:endParaRPr>
+          </a:p>
+        </p:txBody>
+      </p:sp>
+      <p:grpSp>
+        <p:nvGrpSpPr>
+          <p:cNvPr id="19" name="Group 12"/>
+          <p:cNvGrpSpPr>
+            <a:grpSpLocks/>
+          </p:cNvGrpSpPr>
+          <p:nvPr/>
+        </p:nvGrpSpPr>
+        <p:grpSpPr bwMode="auto">
+          <a:xfrm>
+            <a:off x="3563888" y="1811078"/>
+            <a:ext cx="419104" cy="347666"/>
+            <a:chOff x="4493" y="3195"/>
+            <a:chExt cx="1026" cy="925"/>
+          </a:xfrm>
+        </p:grpSpPr>
+        <p:pic>
+          <p:nvPicPr>
+            <p:cNvPr id="23" name="Picture 13"/>
+            <p:cNvPicPr>
+              <a:picLocks noChangeAspect="1" noChangeArrowheads="1"/>
+            </p:cNvPicPr>
+            <p:nvPr/>
+          </p:nvPicPr>
+          <p:blipFill>
+            <a:blip r:embed="rId2" cstate="print"/>
+            <a:srcRect/>
+            <a:stretch>
+              <a:fillRect/>
+            </a:stretch>
+          </p:blipFill>
+          <p:spPr bwMode="auto">
+            <a:xfrm flipH="1">
+              <a:off x="4493" y="3195"/>
+              <a:ext cx="979" cy="911"/>
+            </a:xfrm>
+            <a:prstGeom prst="rect">
+              <a:avLst/>
+            </a:prstGeom>
+            <a:noFill/>
+            <a:ln w="9525">
+              <a:noFill/>
+              <a:miter lim="800000"/>
+              <a:headEnd/>
+              <a:tailEnd/>
+            </a:ln>
+          </p:spPr>
+        </p:pic>
+        <p:pic>
+          <p:nvPicPr>
+            <p:cNvPr id="24" name="Picture 14"/>
+            <p:cNvPicPr>
+              <a:picLocks noChangeAspect="1" noChangeArrowheads="1"/>
+            </p:cNvPicPr>
+            <p:nvPr/>
+          </p:nvPicPr>
+          <p:blipFill>
+            <a:blip r:embed="rId3" cstate="print"/>
+            <a:srcRect/>
+            <a:stretch>
+              <a:fillRect/>
+            </a:stretch>
+          </p:blipFill>
+          <p:spPr bwMode="auto">
+            <a:xfrm flipH="1">
+              <a:off x="5040" y="3504"/>
+              <a:ext cx="479" cy="616"/>
+            </a:xfrm>
+            <a:prstGeom prst="rect">
+              <a:avLst/>
+            </a:prstGeom>
+            <a:noFill/>
+            <a:ln w="9525">
+              <a:noFill/>
+              <a:miter lim="800000"/>
+              <a:headEnd/>
+              <a:tailEnd/>
+            </a:ln>
+          </p:spPr>
+        </p:pic>
+      </p:grpSp>
+      <p:grpSp>
+        <p:nvGrpSpPr>
+          <p:cNvPr id="20" name="Group 12"/>
+          <p:cNvGrpSpPr>
+            <a:grpSpLocks/>
+          </p:cNvGrpSpPr>
+          <p:nvPr/>
+        </p:nvGrpSpPr>
+        <p:grpSpPr bwMode="auto">
+          <a:xfrm>
+            <a:off x="3773440" y="3759003"/>
+            <a:ext cx="419104" cy="347666"/>
+            <a:chOff x="4493" y="3195"/>
+            <a:chExt cx="1026" cy="925"/>
+          </a:xfrm>
+        </p:grpSpPr>
+        <p:pic>
+          <p:nvPicPr>
+            <p:cNvPr id="21" name="Picture 13"/>
+            <p:cNvPicPr>
+              <a:picLocks noChangeAspect="1" noChangeArrowheads="1"/>
+            </p:cNvPicPr>
+            <p:nvPr/>
+          </p:nvPicPr>
+          <p:blipFill>
+            <a:blip r:embed="rId2" cstate="print"/>
+            <a:srcRect/>
+            <a:stretch>
+              <a:fillRect/>
+            </a:stretch>
+          </p:blipFill>
+          <p:spPr bwMode="auto">
+            <a:xfrm flipH="1">
+              <a:off x="4493" y="3195"/>
+              <a:ext cx="979" cy="911"/>
+            </a:xfrm>
+            <a:prstGeom prst="rect">
+              <a:avLst/>
+            </a:prstGeom>
+            <a:noFill/>
+            <a:ln w="9525">
+              <a:noFill/>
+              <a:miter lim="800000"/>
+              <a:headEnd/>
+              <a:tailEnd/>
+            </a:ln>
+          </p:spPr>
+        </p:pic>
+        <p:pic>
+          <p:nvPicPr>
+            <p:cNvPr id="22" name="Picture 14"/>
+            <p:cNvPicPr>
+              <a:picLocks noChangeAspect="1" noChangeArrowheads="1"/>
+            </p:cNvPicPr>
+            <p:nvPr/>
+          </p:nvPicPr>
+          <p:blipFill>
+            <a:blip r:embed="rId3" cstate="print"/>
+            <a:srcRect/>
+            <a:stretch>
+              <a:fillRect/>
+            </a:stretch>
+          </p:blipFill>
+          <p:spPr bwMode="auto">
+            <a:xfrm flipH="1">
+              <a:off x="5040" y="3504"/>
+              <a:ext cx="479" cy="616"/>
+            </a:xfrm>
+            <a:prstGeom prst="rect">
+              <a:avLst/>
+            </a:prstGeom>
+            <a:noFill/>
+            <a:ln w="9525">
+              <a:noFill/>
+              <a:miter lim="800000"/>
+              <a:headEnd/>
+              <a:tailEnd/>
+            </a:ln>
+          </p:spPr>
+        </p:pic>
+      </p:grpSp>
+      <p:cxnSp>
+        <p:nvCxnSpPr>
+          <p:cNvPr id="27" name="41 Conector curvado"/>
+          <p:cNvCxnSpPr>
+            <a:stCxn id="11" idx="2"/>
+          </p:cNvCxnSpPr>
+          <p:nvPr/>
+        </p:nvCxnSpPr>
+        <p:spPr>
+          <a:xfrm rot="16200000" flipH="1">
+            <a:off x="3799132" y="1504006"/>
+            <a:ext cx="413936" cy="2715976"/>
+          </a:xfrm>
+          <a:prstGeom prst="curvedConnector2">
+            <a:avLst/>
+          </a:prstGeom>
+          <a:ln>
+            <a:tailEnd type="arrow"/>
+          </a:ln>
+        </p:spPr>
+        <p:style>
+          <a:lnRef idx="1">
+            <a:schemeClr val="accent1"/>
+          </a:lnRef>
+          <a:fillRef idx="0">
+            <a:schemeClr val="accent1"/>
+          </a:fillRef>
+          <a:effectRef idx="0">
+            <a:schemeClr val="accent1"/>
+          </a:effectRef>
+          <a:fontRef idx="minor">
+            <a:schemeClr val="tx1"/>
+          </a:fontRef>
+        </p:style>
+      </p:cxnSp>
+      <p:cxnSp>
+        <p:nvCxnSpPr>
+          <p:cNvPr id="30" name="41 Conector curvado"/>
+          <p:cNvCxnSpPr/>
+          <p:nvPr/>
+        </p:nvCxnSpPr>
+        <p:spPr>
+          <a:xfrm rot="5400000" flipH="1" flipV="1">
+            <a:off x="4335587" y="2858326"/>
+            <a:ext cx="653780" cy="1421776"/>
+          </a:xfrm>
+          <a:prstGeom prst="curvedConnector2">
+            <a:avLst/>
+          </a:prstGeom>
+          <a:ln>
+            <a:tailEnd type="arrow"/>
+          </a:ln>
+        </p:spPr>
+        <p:style>
+          <a:lnRef idx="1">
+            <a:schemeClr val="accent1"/>
+          </a:lnRef>
+          <a:fillRef idx="0">
+            <a:schemeClr val="accent1"/>
+          </a:fillRef>
+          <a:effectRef idx="0">
+            <a:schemeClr val="accent1"/>
+          </a:effectRef>
+          <a:fontRef idx="minor">
+            <a:schemeClr val="tx1"/>
+          </a:fontRef>
+        </p:style>
+      </p:cxnSp>
+      <p:cxnSp>
+        <p:nvCxnSpPr>
+          <p:cNvPr id="32" name="41 Conector curvado"/>
+          <p:cNvCxnSpPr>
+            <a:endCxn id="15" idx="0"/>
+          </p:cNvCxnSpPr>
+          <p:nvPr/>
+        </p:nvCxnSpPr>
+        <p:spPr>
+          <a:xfrm>
+            <a:off x="3960602" y="2141477"/>
+            <a:ext cx="1639587" cy="812800"/>
+          </a:xfrm>
+          <a:prstGeom prst="curvedConnector2">
+            <a:avLst/>
+          </a:prstGeom>
+          <a:ln>
+            <a:tailEnd type="arrow"/>
+          </a:ln>
+        </p:spPr>
+        <p:style>
+          <a:lnRef idx="1">
+            <a:schemeClr val="accent1"/>
+          </a:lnRef>
+          <a:fillRef idx="0">
+            <a:schemeClr val="accent1"/>
+          </a:fillRef>
+          <a:effectRef idx="0">
+            <a:schemeClr val="accent1"/>
+          </a:effectRef>
+          <a:fontRef idx="minor">
+            <a:schemeClr val="tx1"/>
+          </a:fontRef>
+        </p:style>
+      </p:cxnSp>
+      <p:sp>
+        <p:nvSpPr>
+          <p:cNvPr id="45" name="35 Rectángulo"/>
+          <p:cNvSpPr/>
+          <p:nvPr/>
+        </p:nvSpPr>
+        <p:spPr>
+          <a:xfrm>
+            <a:off x="5796136" y="2694483"/>
+            <a:ext cx="1296144" cy="400110"/>
+          </a:xfrm>
+          <a:prstGeom prst="rect">
+            <a:avLst/>
+          </a:prstGeom>
+          <a:effectLst>
+            <a:outerShdw blurRad="50800" dist="38100" dir="2700000" algn="tl" rotWithShape="0">
+              <a:prstClr val="black">
+                <a:alpha val="40000"/>
+              </a:prstClr>
+            </a:outerShdw>
+          </a:effectLst>
+        </p:spPr>
+        <p:txBody>
+          <a:bodyPr wrap="square">
+            <a:spAutoFit/>
+          </a:bodyPr>
+          <a:lstStyle/>
+          <a:p>
+            <a:r>
+              <a:rPr lang="es-MX" sz="1000" b="1" dirty="0" err="1">
+                <a:solidFill>
+                  <a:schemeClr val="bg2">
+                    <a:lumMod val="20000"/>
+                    <a:lumOff val="80000"/>
+                  </a:schemeClr>
+                </a:solidFill>
+              </a:rPr>
+              <a:t>Cetralized</a:t>
+            </a:r>
+            <a:r>
+              <a:rPr lang="es-MX" sz="1000" dirty="0" smtClean="0">
+                <a:solidFill>
+                  <a:schemeClr val="bg1"/>
+                </a:solidFill>
+              </a:rPr>
+              <a:t> </a:t>
+            </a:r>
+            <a:r>
+              <a:rPr lang="es-MX" sz="1000" b="1" dirty="0">
+                <a:solidFill>
+                  <a:schemeClr val="bg2">
+                    <a:lumMod val="20000"/>
+                    <a:lumOff val="80000"/>
+                  </a:schemeClr>
+                </a:solidFill>
+              </a:rPr>
+              <a:t>Security</a:t>
+            </a:r>
+            <a:endParaRPr lang="es-ES" sz="1000" b="1" dirty="0">
+              <a:solidFill>
+                <a:schemeClr val="bg2">
+                  <a:lumMod val="20000"/>
+                  <a:lumOff val="80000"/>
+                </a:schemeClr>
+              </a:solidFill>
+            </a:endParaRPr>
+          </a:p>
+        </p:txBody>
+      </p:sp>
+    </p:spTree>
+    <p:extLst>
+      <p:ext uri="{BB962C8B-B14F-4D97-AF65-F5344CB8AC3E}">
+        <p14:creationId xmlns:p14="http://schemas.microsoft.com/office/powerpoint/2010/main" val="400287117"/>
+      </p:ext>
+    </p:extLst>
+  </p:cSld>
+  <p:clrMapOvr>
+    <a:masterClrMapping/>
+  </p:clrMapOvr>
+  <p:timing>
+    <p:tnLst>
+      <p:par>
+        <p:cTn id="1" dur="indefinite" restart="never" nodeType="tmRoot">
+          <p:childTnLst>
+            <p:seq concurrent="1" nextAc="seek">
+              <p:cTn id="2" dur="indefinite" nodeType="mainSeq">
+                <p:childTnLst>
+                  <p:par>
+                    <p:cTn id="3" fill="hold">
+                      <p:stCondLst>
+                        <p:cond delay="indefinite"/>
+                      </p:stCondLst>
+                      <p:childTnLst>
+                        <p:par>
+                          <p:cTn id="4" fill="hold">
+                            <p:stCondLst>
+                              <p:cond delay="0"/>
+                            </p:stCondLst>
+                            <p:childTnLst>
+                              <p:par>
+                                <p:cTn id="5" presetID="9" presetClass="entr" presetSubtype="0" fill="hold" nodeType="clickEffect">
+                                  <p:stCondLst>
+                                    <p:cond delay="0"/>
+                                  </p:stCondLst>
+                                  <p:childTnLst>
+                                    <p:set>
+                                      <p:cBhvr>
+                                        <p:cTn id="6" dur="1" fill="hold">
+                                          <p:stCondLst>
+                                            <p:cond delay="0"/>
+                                          </p:stCondLst>
+                                        </p:cTn>
+                                        <p:tgtEl>
+                                          <p:spTgt spid="27"/>
+                                        </p:tgtEl>
+                                        <p:attrNameLst>
+                                          <p:attrName>style.visibility</p:attrName>
+                                        </p:attrNameLst>
+                                      </p:cBhvr>
+                                      <p:to>
+                                        <p:strVal val="visible"/>
+                                      </p:to>
+                                    </p:set>
+                                    <p:animEffect transition="in" filter="dissolve">
+                                      <p:cBhvr>
+                                        <p:cTn id="7" dur="500"/>
+                                        <p:tgtEl>
+                                          <p:spTgt spid="27"/>
+                                        </p:tgtEl>
+                                      </p:cBhvr>
+                                    </p:animEffect>
+                                  </p:childTnLst>
+                                </p:cTn>
+                              </p:par>
+                            </p:childTnLst>
+                          </p:cTn>
+                        </p:par>
+                      </p:childTnLst>
+                    </p:cTn>
+                  </p:par>
+                  <p:par>
+                    <p:cTn id="8" fill="hold">
+                      <p:stCondLst>
+                        <p:cond delay="indefinite"/>
+                      </p:stCondLst>
+                      <p:childTnLst>
+                        <p:par>
+                          <p:cTn id="9" fill="hold">
+                            <p:stCondLst>
+                              <p:cond delay="0"/>
+                            </p:stCondLst>
+                            <p:childTnLst>
+                              <p:par>
+                                <p:cTn id="10" presetID="9" presetClass="entr" presetSubtype="0" fill="hold" nodeType="clickEffect">
+                                  <p:stCondLst>
+                                    <p:cond delay="0"/>
+                                  </p:stCondLst>
+                                  <p:childTnLst>
+                                    <p:set>
+                                      <p:cBhvr>
+                                        <p:cTn id="11" dur="1" fill="hold">
+                                          <p:stCondLst>
+                                            <p:cond delay="0"/>
+                                          </p:stCondLst>
+                                        </p:cTn>
+                                        <p:tgtEl>
+                                          <p:spTgt spid="30"/>
+                                        </p:tgtEl>
+                                        <p:attrNameLst>
+                                          <p:attrName>style.visibility</p:attrName>
+                                        </p:attrNameLst>
+                                      </p:cBhvr>
+                                      <p:to>
+                                        <p:strVal val="visible"/>
+                                      </p:to>
+                                    </p:set>
+                                    <p:animEffect transition="in" filter="dissolve">
+                                      <p:cBhvr>
+                                        <p:cTn id="12" dur="500"/>
+                                        <p:tgtEl>
+                                          <p:spTgt spid="30"/>
+                                        </p:tgtEl>
+                                      </p:cBhvr>
+                                    </p:animEffect>
+                                  </p:childTnLst>
+                                </p:cTn>
+                              </p:par>
+                            </p:childTnLst>
+                          </p:cTn>
+                        </p:par>
+                      </p:childTnLst>
+                    </p:cTn>
+                  </p:par>
+                  <p:par>
+                    <p:cTn id="13" fill="hold">
+                      <p:stCondLst>
+                        <p:cond delay="indefinite"/>
+                      </p:stCondLst>
+                      <p:childTnLst>
+                        <p:par>
+                          <p:cTn id="14" fill="hold">
+                            <p:stCondLst>
+                              <p:cond delay="0"/>
+                            </p:stCondLst>
+                            <p:childTnLst>
+                              <p:par>
+                                <p:cTn id="15" presetID="9" presetClass="entr" presetSubtype="0" fill="hold" nodeType="clickEffect">
+                                  <p:stCondLst>
+                                    <p:cond delay="0"/>
+                                  </p:stCondLst>
+                                  <p:childTnLst>
+                                    <p:set>
+                                      <p:cBhvr>
+                                        <p:cTn id="16" dur="1" fill="hold">
+                                          <p:stCondLst>
+                                            <p:cond delay="0"/>
+                                          </p:stCondLst>
+                                        </p:cTn>
+                                        <p:tgtEl>
+                                          <p:spTgt spid="32"/>
+                                        </p:tgtEl>
+                                        <p:attrNameLst>
+                                          <p:attrName>style.visibility</p:attrName>
+                                        </p:attrNameLst>
+                                      </p:cBhvr>
+                                      <p:to>
+                                        <p:strVal val="visible"/>
+                                      </p:to>
+                                    </p:set>
+                                    <p:animEffect transition="in" filter="dissolve">
+                                      <p:cBhvr>
+                                        <p:cTn id="17" dur="500"/>
+                                        <p:tgtEl>
+                                          <p:spTgt spid="32"/>
+                                        </p:tgtEl>
+                                      </p:cBhvr>
+                                    </p:animEffect>
+                                  </p:childTnLst>
+                                </p:cTn>
+                              </p:par>
+                            </p:childTnLst>
+                          </p:cTn>
+                        </p:par>
+                      </p:childTnLst>
+                    </p:cTn>
+                  </p:par>
+                </p:childTnLst>
+              </p:cTn>
+              <p:prevCondLst>
+                <p:cond evt="onPrev" delay="0">
+                  <p:tgtEl>
+                    <p:sldTgt/>
+                  </p:tgtEl>
+                </p:cond>
+              </p:prevCondLst>
+              <p:nextCondLst>
+                <p:cond evt="onNext" delay="0">
+                  <p:tgtEl>
+                    <p:sldTgt/>
+                  </p:tgtEl>
+                </p:cond>
+              </p:nextCondLst>
+            </p:seq>
+          </p:childTnLst>
+        </p:cTn>
+      </p:par>
+    </p:tnLst>
   </p:timing>
 </p:sld>
 </file>
